--- a/ppt/VolumeAKS.pptx
+++ b/ppt/VolumeAKS.pptx
@@ -5,7 +5,7 @@
     <p:sldMasterId id="2147483658" r:id="rId1"/>
   </p:sldMasterIdLst>
   <p:notesMasterIdLst>
-    <p:notesMasterId r:id="rId21"/>
+    <p:notesMasterId r:id="rId24"/>
   </p:notesMasterIdLst>
   <p:sldIdLst>
     <p:sldId id="256" r:id="rId2"/>
@@ -26,29 +26,32 @@
     <p:sldId id="359" r:id="rId17"/>
     <p:sldId id="357" r:id="rId18"/>
     <p:sldId id="361" r:id="rId19"/>
-    <p:sldId id="356" r:id="rId20"/>
+    <p:sldId id="362" r:id="rId20"/>
+    <p:sldId id="289" r:id="rId21"/>
+    <p:sldId id="363" r:id="rId22"/>
+    <p:sldId id="364" r:id="rId23"/>
   </p:sldIdLst>
   <p:sldSz cx="9144000" cy="5143500" type="screen16x9"/>
   <p:notesSz cx="6858000" cy="9144000"/>
   <p:embeddedFontLst>
     <p:embeddedFont>
       <p:font typeface="Calibri" panose="020F0502020204030204" pitchFamily="34" charset="0"/>
-      <p:regular r:id="rId22"/>
-      <p:bold r:id="rId23"/>
-      <p:italic r:id="rId24"/>
-      <p:boldItalic r:id="rId25"/>
+      <p:regular r:id="rId25"/>
+      <p:bold r:id="rId26"/>
+      <p:italic r:id="rId27"/>
+      <p:boldItalic r:id="rId28"/>
     </p:embeddedFont>
     <p:embeddedFont>
       <p:font typeface="Calibri Light" panose="020F0302020204030204" pitchFamily="34" charset="0"/>
-      <p:regular r:id="rId26"/>
-      <p:italic r:id="rId27"/>
+      <p:regular r:id="rId29"/>
+      <p:italic r:id="rId30"/>
     </p:embeddedFont>
     <p:embeddedFont>
       <p:font typeface="Roboto" panose="02000000000000000000" pitchFamily="2" charset="0"/>
-      <p:regular r:id="rId28"/>
-      <p:bold r:id="rId29"/>
-      <p:italic r:id="rId30"/>
-      <p:boldItalic r:id="rId31"/>
+      <p:regular r:id="rId31"/>
+      <p:bold r:id="rId32"/>
+      <p:italic r:id="rId33"/>
+      <p:boldItalic r:id="rId34"/>
     </p:embeddedFont>
   </p:embeddedFontLst>
   <p:defaultTextStyle>
@@ -1027,7 +1030,7 @@
           <a:p>
             <a:fld id="{4BDF68E2-58F2-4D09-BE8B-E3BD06533059}" type="datetimeFigureOut">
               <a:rPr lang="en-US" dirty="0"/>
-              <a:t>5/25/2020</a:t>
+              <a:t>5/26/2020</a:t>
             </a:fld>
             <a:endParaRPr lang="en-US" dirty="0"/>
           </a:p>
@@ -1245,7 +1248,7 @@
           <a:p>
             <a:fld id="{2E2D6473-DF6D-4702-B328-E0DD40540A4E}" type="datetimeFigureOut">
               <a:rPr lang="en-US" dirty="0"/>
-              <a:t>5/25/2020</a:t>
+              <a:t>5/26/2020</a:t>
             </a:fld>
             <a:endParaRPr lang="en-US" dirty="0"/>
           </a:p>
@@ -1511,7 +1514,7 @@
           <a:p>
             <a:fld id="{E26F7E3A-B166-407D-9866-32884E7D5B37}" type="datetimeFigureOut">
               <a:rPr lang="en-US" dirty="0"/>
-              <a:t>5/25/2020</a:t>
+              <a:t>5/26/2020</a:t>
             </a:fld>
             <a:endParaRPr lang="en-US" dirty="0"/>
           </a:p>
@@ -2136,7 +2139,7 @@
           <a:p>
             <a:fld id="{528FC5F6-F338-4AE4-BB23-26385BCFC423}" type="datetimeFigureOut">
               <a:rPr lang="en-US" dirty="0"/>
-              <a:t>5/25/2020</a:t>
+              <a:t>5/26/2020</a:t>
             </a:fld>
             <a:endParaRPr lang="en-US" dirty="0"/>
           </a:p>
@@ -2489,7 +2492,7 @@
           <a:p>
             <a:fld id="{20EBB0C4-6273-4C6E-B9BD-2EDC30F1CD52}" type="datetimeFigureOut">
               <a:rPr lang="en-US" dirty="0"/>
-              <a:t>5/25/2020</a:t>
+              <a:t>5/26/2020</a:t>
             </a:fld>
             <a:endParaRPr lang="en-US" dirty="0"/>
           </a:p>
@@ -2774,7 +2777,7 @@
           <a:p>
             <a:fld id="{19AB4D41-86C1-4908-B66A-0B50CEB3BF29}" type="datetimeFigureOut">
               <a:rPr lang="en-US" dirty="0"/>
-              <a:t>5/25/2020</a:t>
+              <a:t>5/26/2020</a:t>
             </a:fld>
             <a:endParaRPr lang="en-US" dirty="0"/>
           </a:p>
@@ -3163,7 +3166,7 @@
           <a:p>
             <a:fld id="{E6426E2C-56C1-4E0D-A793-0088A7FDD37E}" type="datetimeFigureOut">
               <a:rPr lang="en-US" dirty="0"/>
-              <a:t>5/25/2020</a:t>
+              <a:t>5/26/2020</a:t>
             </a:fld>
             <a:endParaRPr lang="en-US" dirty="0"/>
           </a:p>
@@ -3291,7 +3294,7 @@
           <a:p>
             <a:fld id="{C8C39B41-D8B5-4052-B551-9B5525EAA8B6}" type="datetimeFigureOut">
               <a:rPr lang="en-US" dirty="0"/>
-              <a:t>5/25/2020</a:t>
+              <a:t>5/26/2020</a:t>
             </a:fld>
             <a:endParaRPr lang="en-US" dirty="0"/>
           </a:p>
@@ -3472,7 +3475,7 @@
           <a:p>
             <a:fld id="{4D94136C-8742-45B2-AF27-D93DF72833A9}" type="datetimeFigureOut">
               <a:rPr lang="en-US" dirty="0"/>
-              <a:t>5/25/2020</a:t>
+              <a:t>5/26/2020</a:t>
             </a:fld>
             <a:endParaRPr lang="en-US" dirty="0"/>
           </a:p>
@@ -3836,7 +3839,7 @@
           <a:p>
             <a:fld id="{32ABBEA6-7C60-4B02-AE87-00D78D8422AF}" type="datetimeFigureOut">
               <a:rPr lang="en-US" dirty="0"/>
-              <a:t>5/25/2020</a:t>
+              <a:t>5/26/2020</a:t>
             </a:fld>
             <a:endParaRPr lang="en-US" dirty="0"/>
           </a:p>
@@ -4228,7 +4231,7 @@
           <a:p>
             <a:fld id="{C9CAD897-D46E-4AD2-BD9B-49DD3E640873}" type="datetimeFigureOut">
               <a:rPr lang="en-US" dirty="0"/>
-              <a:t>5/25/2020</a:t>
+              <a:t>5/26/2020</a:t>
             </a:fld>
             <a:endParaRPr lang="en-US" dirty="0"/>
           </a:p>
@@ -4525,7 +4528,7 @@
           <a:p>
             <a:fld id="{98624D31-43A5-475A-80CF-332C9F6DCF35}" type="datetimeFigureOut">
               <a:rPr lang="en-US" dirty="0"/>
-              <a:t>5/25/2020</a:t>
+              <a:t>5/26/2020</a:t>
             </a:fld>
             <a:endParaRPr lang="en-US" dirty="0"/>
           </a:p>
@@ -6138,13 +6141,13 @@
   <p:clrMapOvr>
     <a:masterClrMapping/>
   </p:clrMapOvr>
-  <mc:AlternateContent xmlns:mc="http://schemas.openxmlformats.org/markup-compatibility/2006">
-    <mc:Choice xmlns:p159="http://schemas.microsoft.com/office/powerpoint/2015/09/main" Requires="p159">
+  <mc:AlternateContent xmlns:mc="http://schemas.openxmlformats.org/markup-compatibility/2006" xmlns:p159="http://schemas.microsoft.com/office/powerpoint/2015/09/main">
+    <mc:Choice Requires="p159">
       <p:transition xmlns:p14="http://schemas.microsoft.com/office/powerpoint/2010/main" spd="slow" p14:dur="2000">
         <p159:morph option="byObject"/>
       </p:transition>
     </mc:Choice>
-    <mc:Fallback>
+    <mc:Fallback xmlns="">
       <p:transition spd="slow">
         <p:fade/>
       </p:transition>
@@ -7090,13 +7093,13 @@
   <p:clrMapOvr>
     <a:masterClrMapping/>
   </p:clrMapOvr>
-  <mc:AlternateContent xmlns:mc="http://schemas.openxmlformats.org/markup-compatibility/2006">
-    <mc:Choice xmlns:p159="http://schemas.microsoft.com/office/powerpoint/2015/09/main" Requires="p159">
+  <mc:AlternateContent xmlns:mc="http://schemas.openxmlformats.org/markup-compatibility/2006" xmlns:p159="http://schemas.microsoft.com/office/powerpoint/2015/09/main">
+    <mc:Choice Requires="p159">
       <p:transition xmlns:p14="http://schemas.microsoft.com/office/powerpoint/2010/main" spd="slow" p14:dur="2000">
         <p159:morph option="byObject"/>
       </p:transition>
     </mc:Choice>
-    <mc:Fallback>
+    <mc:Fallback xmlns="">
       <p:transition spd="slow">
         <p:fade/>
       </p:transition>
@@ -9196,13 +9199,13 @@
   <p:clrMapOvr>
     <a:masterClrMapping/>
   </p:clrMapOvr>
-  <mc:AlternateContent xmlns:mc="http://schemas.openxmlformats.org/markup-compatibility/2006">
-    <mc:Choice xmlns:p159="http://schemas.microsoft.com/office/powerpoint/2015/09/main" Requires="p159">
+  <mc:AlternateContent xmlns:mc="http://schemas.openxmlformats.org/markup-compatibility/2006" xmlns:p159="http://schemas.microsoft.com/office/powerpoint/2015/09/main">
+    <mc:Choice Requires="p159">
       <p:transition xmlns:p14="http://schemas.microsoft.com/office/powerpoint/2010/main" spd="slow" p14:dur="2000">
         <p159:morph option="byObject"/>
       </p:transition>
     </mc:Choice>
-    <mc:Fallback>
+    <mc:Fallback xmlns="">
       <p:transition spd="slow">
         <p:fade/>
       </p:transition>
@@ -9228,10 +9231,107 @@
           <a:chExt cx="0" cy="0"/>
         </a:xfrm>
       </p:grpSpPr>
+      <p:sp>
+        <p:nvSpPr>
+          <p:cNvPr id="16" name="Retângulo 15">
+            <a:extLst>
+              <a:ext uri="{FF2B5EF4-FFF2-40B4-BE49-F238E27FC236}">
+                <a16:creationId xmlns:a16="http://schemas.microsoft.com/office/drawing/2014/main" id="{E78F613B-D615-44D2-9F17-20E53B0E84C3}"/>
+              </a:ext>
+            </a:extLst>
+          </p:cNvPr>
+          <p:cNvSpPr/>
+          <p:nvPr/>
+        </p:nvSpPr>
+        <p:spPr>
+          <a:xfrm>
+            <a:off x="1" y="278884"/>
+            <a:ext cx="9144000" cy="769441"/>
+          </a:xfrm>
+          <a:prstGeom prst="rect">
+            <a:avLst/>
+          </a:prstGeom>
+        </p:spPr>
+        <p:txBody>
+          <a:bodyPr wrap="square">
+            <a:spAutoFit/>
+          </a:bodyPr>
+          <a:lstStyle/>
+          <a:p>
+            <a:pPr algn="ctr"/>
+            <a:r>
+              <a:rPr lang="en-US" sz="4400" dirty="0">
+                <a:latin typeface="Roboto" panose="02000000000000000000" pitchFamily="2" charset="0"/>
+                <a:ea typeface="Roboto" panose="02000000000000000000" pitchFamily="2" charset="0"/>
+              </a:rPr>
+              <a:t>AKS</a:t>
+            </a:r>
+          </a:p>
+        </p:txBody>
+      </p:sp>
+      <p:sp>
+        <p:nvSpPr>
+          <p:cNvPr id="14" name="CaixaDeTexto 13">
+            <a:extLst>
+              <a:ext uri="{FF2B5EF4-FFF2-40B4-BE49-F238E27FC236}">
+                <a16:creationId xmlns:a16="http://schemas.microsoft.com/office/drawing/2014/main" id="{B945D042-49BB-4A34-B2C6-C70B48A3AC0B}"/>
+              </a:ext>
+            </a:extLst>
+          </p:cNvPr>
+          <p:cNvSpPr txBox="1"/>
+          <p:nvPr/>
+        </p:nvSpPr>
+        <p:spPr>
+          <a:xfrm>
+            <a:off x="2832100" y="1720850"/>
+            <a:ext cx="2949846" cy="1200329"/>
+          </a:xfrm>
+          <a:prstGeom prst="rect">
+            <a:avLst/>
+          </a:prstGeom>
+          <a:noFill/>
+        </p:spPr>
+        <p:txBody>
+          <a:bodyPr wrap="none" rtlCol="0">
+            <a:spAutoFit/>
+          </a:bodyPr>
+          <a:lstStyle/>
+          <a:p>
+            <a:pPr marL="571500" indent="-571500">
+              <a:buFont typeface="Arial" panose="020B0604020202020204" pitchFamily="34" charset="0"/>
+              <a:buChar char="•"/>
+            </a:pPr>
+            <a:r>
+              <a:rPr lang="en-US" sz="3600" dirty="0">
+                <a:latin typeface="Roboto" panose="02000000000000000000" pitchFamily="2" charset="0"/>
+                <a:ea typeface="Roboto" panose="02000000000000000000" pitchFamily="2" charset="0"/>
+              </a:rPr>
+              <a:t>Azure File </a:t>
+            </a:r>
+          </a:p>
+          <a:p>
+            <a:pPr marL="571500" indent="-571500">
+              <a:buFont typeface="Arial" panose="020B0604020202020204" pitchFamily="34" charset="0"/>
+              <a:buChar char="•"/>
+            </a:pPr>
+            <a:r>
+              <a:rPr lang="en-US" sz="3600" dirty="0">
+                <a:latin typeface="Roboto" panose="02000000000000000000" pitchFamily="2" charset="0"/>
+                <a:ea typeface="Roboto" panose="02000000000000000000" pitchFamily="2" charset="0"/>
+              </a:rPr>
+              <a:t>Azure Disk</a:t>
+            </a:r>
+            <a:endParaRPr lang="pt-BR" sz="3600" dirty="0">
+              <a:latin typeface="Roboto" panose="02000000000000000000" pitchFamily="2" charset="0"/>
+              <a:ea typeface="Roboto" panose="02000000000000000000" pitchFamily="2" charset="0"/>
+            </a:endParaRPr>
+          </a:p>
+        </p:txBody>
+      </p:sp>
     </p:spTree>
     <p:extLst>
       <p:ext uri="{BB962C8B-B14F-4D97-AF65-F5344CB8AC3E}">
-        <p14:creationId xmlns:p14="http://schemas.microsoft.com/office/powerpoint/2010/main" val="2310375735"/>
+        <p14:creationId xmlns:p14="http://schemas.microsoft.com/office/powerpoint/2010/main" val="3220822462"/>
       </p:ext>
     </p:extLst>
   </p:cSld>
@@ -9795,6 +9895,2334 @@
   <p:clrMapOvr>
     <a:masterClrMapping/>
   </p:clrMapOvr>
+</p:sld>
+</file>
+
+<file path=ppt/slides/slide20.xml><?xml version="1.0" encoding="utf-8"?>
+<p:sld xmlns:a="http://schemas.openxmlformats.org/drawingml/2006/main" xmlns:r="http://schemas.openxmlformats.org/officeDocument/2006/relationships" xmlns:p="http://schemas.openxmlformats.org/presentationml/2006/main">
+  <p:cSld>
+    <p:spTree>
+      <p:nvGrpSpPr>
+        <p:cNvPr id="1" name=""/>
+        <p:cNvGrpSpPr/>
+        <p:nvPr/>
+      </p:nvGrpSpPr>
+      <p:grpSpPr>
+        <a:xfrm>
+          <a:off x="0" y="0"/>
+          <a:ext cx="0" cy="0"/>
+          <a:chOff x="0" y="0"/>
+          <a:chExt cx="0" cy="0"/>
+        </a:xfrm>
+      </p:grpSpPr>
+      <p:grpSp>
+        <p:nvGrpSpPr>
+          <p:cNvPr id="36" name="Agrupar 35">
+            <a:extLst>
+              <a:ext uri="{FF2B5EF4-FFF2-40B4-BE49-F238E27FC236}">
+                <a16:creationId xmlns:a16="http://schemas.microsoft.com/office/drawing/2014/main" id="{692F5462-A43A-4726-87DA-2E1568DC4E11}"/>
+              </a:ext>
+            </a:extLst>
+          </p:cNvPr>
+          <p:cNvGrpSpPr/>
+          <p:nvPr/>
+        </p:nvGrpSpPr>
+        <p:grpSpPr>
+          <a:xfrm>
+            <a:off x="4877851" y="2100635"/>
+            <a:ext cx="643738" cy="607162"/>
+            <a:chOff x="3784134" y="1595059"/>
+            <a:chExt cx="643738" cy="607162"/>
+          </a:xfrm>
+        </p:grpSpPr>
+        <p:sp>
+          <p:nvSpPr>
+            <p:cNvPr id="42" name="Retângulo: Cantos Arredondados 41">
+              <a:extLst>
+                <a:ext uri="{FF2B5EF4-FFF2-40B4-BE49-F238E27FC236}">
+                  <a16:creationId xmlns:a16="http://schemas.microsoft.com/office/drawing/2014/main" id="{FAF7D360-4C40-4BB6-855D-D2FDF0C253A9}"/>
+                </a:ext>
+              </a:extLst>
+            </p:cNvPr>
+            <p:cNvSpPr/>
+            <p:nvPr/>
+          </p:nvSpPr>
+          <p:spPr>
+            <a:xfrm>
+              <a:off x="3784134" y="1595059"/>
+              <a:ext cx="643738" cy="607162"/>
+            </a:xfrm>
+            <a:prstGeom prst="roundRect">
+              <a:avLst/>
+            </a:prstGeom>
+          </p:spPr>
+          <p:style>
+            <a:lnRef idx="2">
+              <a:schemeClr val="accent1">
+                <a:shade val="50000"/>
+              </a:schemeClr>
+            </a:lnRef>
+            <a:fillRef idx="1">
+              <a:schemeClr val="accent1"/>
+            </a:fillRef>
+            <a:effectRef idx="0">
+              <a:schemeClr val="accent1"/>
+            </a:effectRef>
+            <a:fontRef idx="minor">
+              <a:schemeClr val="lt1"/>
+            </a:fontRef>
+          </p:style>
+          <p:txBody>
+            <a:bodyPr rtlCol="0" anchor="ctr"/>
+            <a:lstStyle/>
+            <a:p>
+              <a:pPr algn="ctr"/>
+              <a:endParaRPr lang="en-US"/>
+            </a:p>
+          </p:txBody>
+        </p:sp>
+        <p:pic>
+          <p:nvPicPr>
+            <p:cNvPr id="44" name="Imagem 43">
+              <a:extLst>
+                <a:ext uri="{FF2B5EF4-FFF2-40B4-BE49-F238E27FC236}">
+                  <a16:creationId xmlns:a16="http://schemas.microsoft.com/office/drawing/2014/main" id="{FA7F5997-0A72-40D2-9852-3CEA8E3605E6}"/>
+                </a:ext>
+              </a:extLst>
+            </p:cNvPr>
+            <p:cNvPicPr>
+              <a:picLocks noChangeAspect="1"/>
+            </p:cNvPicPr>
+            <p:nvPr/>
+          </p:nvPicPr>
+          <p:blipFill>
+            <a:blip r:embed="rId2"/>
+            <a:stretch>
+              <a:fillRect/>
+            </a:stretch>
+          </p:blipFill>
+          <p:spPr>
+            <a:xfrm>
+              <a:off x="3882706" y="1682841"/>
+              <a:ext cx="426016" cy="454283"/>
+            </a:xfrm>
+            <a:prstGeom prst="rect">
+              <a:avLst/>
+            </a:prstGeom>
+          </p:spPr>
+        </p:pic>
+      </p:grpSp>
+      <p:sp>
+        <p:nvSpPr>
+          <p:cNvPr id="54" name="Retângulo: Cantos Arredondados 53">
+            <a:extLst>
+              <a:ext uri="{FF2B5EF4-FFF2-40B4-BE49-F238E27FC236}">
+                <a16:creationId xmlns:a16="http://schemas.microsoft.com/office/drawing/2014/main" id="{B27EC887-3A6C-4CFF-96C1-AF1778F2172F}"/>
+              </a:ext>
+            </a:extLst>
+          </p:cNvPr>
+          <p:cNvSpPr/>
+          <p:nvPr/>
+        </p:nvSpPr>
+        <p:spPr>
+          <a:xfrm>
+            <a:off x="6431740" y="2179940"/>
+            <a:ext cx="988693" cy="369332"/>
+          </a:xfrm>
+          <a:prstGeom prst="roundRect">
+            <a:avLst/>
+          </a:prstGeom>
+        </p:spPr>
+        <p:style>
+          <a:lnRef idx="2">
+            <a:schemeClr val="accent1">
+              <a:shade val="50000"/>
+            </a:schemeClr>
+          </a:lnRef>
+          <a:fillRef idx="1">
+            <a:schemeClr val="accent1"/>
+          </a:fillRef>
+          <a:effectRef idx="0">
+            <a:schemeClr val="accent1"/>
+          </a:effectRef>
+          <a:fontRef idx="minor">
+            <a:schemeClr val="lt1"/>
+          </a:fontRef>
+        </p:style>
+        <p:txBody>
+          <a:bodyPr rtlCol="0" anchor="ctr"/>
+          <a:lstStyle/>
+          <a:p>
+            <a:pPr algn="ctr"/>
+            <a:r>
+              <a:rPr lang="en-US" dirty="0"/>
+              <a:t>Service</a:t>
+            </a:r>
+          </a:p>
+        </p:txBody>
+      </p:sp>
+      <p:cxnSp>
+        <p:nvCxnSpPr>
+          <p:cNvPr id="60" name="Conector de Seta Reta 59">
+            <a:extLst>
+              <a:ext uri="{FF2B5EF4-FFF2-40B4-BE49-F238E27FC236}">
+                <a16:creationId xmlns:a16="http://schemas.microsoft.com/office/drawing/2014/main" id="{7DE6259D-C1CD-49FD-8C8D-7EBE499B199D}"/>
+              </a:ext>
+            </a:extLst>
+          </p:cNvPr>
+          <p:cNvCxnSpPr>
+            <a:cxnSpLocks/>
+          </p:cNvCxnSpPr>
+          <p:nvPr/>
+        </p:nvCxnSpPr>
+        <p:spPr>
+          <a:xfrm>
+            <a:off x="7508995" y="2405881"/>
+            <a:ext cx="443332" cy="0"/>
+          </a:xfrm>
+          <a:prstGeom prst="straightConnector1">
+            <a:avLst/>
+          </a:prstGeom>
+          <a:ln>
+            <a:headEnd type="triangle"/>
+            <a:tailEnd type="triangle"/>
+          </a:ln>
+        </p:spPr>
+        <p:style>
+          <a:lnRef idx="2">
+            <a:schemeClr val="accent1"/>
+          </a:lnRef>
+          <a:fillRef idx="0">
+            <a:schemeClr val="accent1"/>
+          </a:fillRef>
+          <a:effectRef idx="1">
+            <a:schemeClr val="accent1"/>
+          </a:effectRef>
+          <a:fontRef idx="minor">
+            <a:schemeClr val="tx1"/>
+          </a:fontRef>
+        </p:style>
+      </p:cxnSp>
+      <p:cxnSp>
+        <p:nvCxnSpPr>
+          <p:cNvPr id="68" name="Conector de Seta Reta 67">
+            <a:extLst>
+              <a:ext uri="{FF2B5EF4-FFF2-40B4-BE49-F238E27FC236}">
+                <a16:creationId xmlns:a16="http://schemas.microsoft.com/office/drawing/2014/main" id="{6C3FC8AB-984A-4450-82B1-3426AAD8EE38}"/>
+              </a:ext>
+            </a:extLst>
+          </p:cNvPr>
+          <p:cNvCxnSpPr>
+            <a:cxnSpLocks/>
+          </p:cNvCxnSpPr>
+          <p:nvPr/>
+        </p:nvCxnSpPr>
+        <p:spPr>
+          <a:xfrm>
+            <a:off x="5659710" y="2399136"/>
+            <a:ext cx="633909" cy="5080"/>
+          </a:xfrm>
+          <a:prstGeom prst="straightConnector1">
+            <a:avLst/>
+          </a:prstGeom>
+          <a:ln>
+            <a:tailEnd type="triangle"/>
+          </a:ln>
+        </p:spPr>
+        <p:style>
+          <a:lnRef idx="1">
+            <a:schemeClr val="accent1"/>
+          </a:lnRef>
+          <a:fillRef idx="0">
+            <a:schemeClr val="accent1"/>
+          </a:fillRef>
+          <a:effectRef idx="0">
+            <a:schemeClr val="accent1"/>
+          </a:effectRef>
+          <a:fontRef idx="minor">
+            <a:schemeClr val="tx1"/>
+          </a:fontRef>
+        </p:style>
+      </p:cxnSp>
+      <p:grpSp>
+        <p:nvGrpSpPr>
+          <p:cNvPr id="51" name="Agrupar 50">
+            <a:extLst>
+              <a:ext uri="{FF2B5EF4-FFF2-40B4-BE49-F238E27FC236}">
+                <a16:creationId xmlns:a16="http://schemas.microsoft.com/office/drawing/2014/main" id="{68CD6BAD-AAC6-48B7-B7BA-886D3C3E0D84}"/>
+              </a:ext>
+            </a:extLst>
+          </p:cNvPr>
+          <p:cNvGrpSpPr/>
+          <p:nvPr/>
+        </p:nvGrpSpPr>
+        <p:grpSpPr>
+          <a:xfrm>
+            <a:off x="8065281" y="2100635"/>
+            <a:ext cx="643738" cy="607162"/>
+            <a:chOff x="5636616" y="3154225"/>
+            <a:chExt cx="643738" cy="607162"/>
+          </a:xfrm>
+        </p:grpSpPr>
+        <p:sp>
+          <p:nvSpPr>
+            <p:cNvPr id="48" name="Retângulo: Cantos Arredondados 47">
+              <a:extLst>
+                <a:ext uri="{FF2B5EF4-FFF2-40B4-BE49-F238E27FC236}">
+                  <a16:creationId xmlns:a16="http://schemas.microsoft.com/office/drawing/2014/main" id="{C877BF90-3048-46FD-9268-07B2B4DA8F7D}"/>
+                </a:ext>
+              </a:extLst>
+            </p:cNvPr>
+            <p:cNvSpPr/>
+            <p:nvPr/>
+          </p:nvSpPr>
+          <p:spPr>
+            <a:xfrm>
+              <a:off x="5636616" y="3154225"/>
+              <a:ext cx="643738" cy="607162"/>
+            </a:xfrm>
+            <a:prstGeom prst="roundRect">
+              <a:avLst/>
+            </a:prstGeom>
+          </p:spPr>
+          <p:style>
+            <a:lnRef idx="2">
+              <a:schemeClr val="accent1">
+                <a:shade val="50000"/>
+              </a:schemeClr>
+            </a:lnRef>
+            <a:fillRef idx="1">
+              <a:schemeClr val="accent1"/>
+            </a:fillRef>
+            <a:effectRef idx="0">
+              <a:schemeClr val="accent1"/>
+            </a:effectRef>
+            <a:fontRef idx="minor">
+              <a:schemeClr val="lt1"/>
+            </a:fontRef>
+          </p:style>
+          <p:txBody>
+            <a:bodyPr rtlCol="0" anchor="ctr"/>
+            <a:lstStyle/>
+            <a:p>
+              <a:pPr algn="ctr"/>
+              <a:endParaRPr lang="en-US"/>
+            </a:p>
+          </p:txBody>
+        </p:sp>
+        <p:pic>
+          <p:nvPicPr>
+            <p:cNvPr id="50" name="Imagem 49">
+              <a:extLst>
+                <a:ext uri="{FF2B5EF4-FFF2-40B4-BE49-F238E27FC236}">
+                  <a16:creationId xmlns:a16="http://schemas.microsoft.com/office/drawing/2014/main" id="{4C50A7EA-12EC-44C5-8D66-E018D66E1D59}"/>
+                </a:ext>
+              </a:extLst>
+            </p:cNvPr>
+            <p:cNvPicPr>
+              <a:picLocks noChangeAspect="1"/>
+            </p:cNvPicPr>
+            <p:nvPr/>
+          </p:nvPicPr>
+          <p:blipFill>
+            <a:blip r:embed="rId3"/>
+            <a:stretch>
+              <a:fillRect/>
+            </a:stretch>
+          </p:blipFill>
+          <p:spPr>
+            <a:xfrm flipH="1">
+              <a:off x="5740318" y="3222309"/>
+              <a:ext cx="436332" cy="470994"/>
+            </a:xfrm>
+            <a:prstGeom prst="rect">
+              <a:avLst/>
+            </a:prstGeom>
+          </p:spPr>
+        </p:pic>
+      </p:grpSp>
+      <p:sp>
+        <p:nvSpPr>
+          <p:cNvPr id="52" name="Retângulo: Cantos Arredondados 51">
+            <a:extLst>
+              <a:ext uri="{FF2B5EF4-FFF2-40B4-BE49-F238E27FC236}">
+                <a16:creationId xmlns:a16="http://schemas.microsoft.com/office/drawing/2014/main" id="{E133C36D-DC7A-4408-9E3D-6632371436DF}"/>
+              </a:ext>
+            </a:extLst>
+          </p:cNvPr>
+          <p:cNvSpPr/>
+          <p:nvPr/>
+        </p:nvSpPr>
+        <p:spPr>
+          <a:xfrm>
+            <a:off x="2978995" y="2240839"/>
+            <a:ext cx="988693" cy="369332"/>
+          </a:xfrm>
+          <a:prstGeom prst="roundRect">
+            <a:avLst/>
+          </a:prstGeom>
+        </p:spPr>
+        <p:style>
+          <a:lnRef idx="2">
+            <a:schemeClr val="accent1">
+              <a:shade val="50000"/>
+            </a:schemeClr>
+          </a:lnRef>
+          <a:fillRef idx="1">
+            <a:schemeClr val="accent1"/>
+          </a:fillRef>
+          <a:effectRef idx="0">
+            <a:schemeClr val="accent1"/>
+          </a:effectRef>
+          <a:fontRef idx="minor">
+            <a:schemeClr val="lt1"/>
+          </a:fontRef>
+        </p:style>
+        <p:txBody>
+          <a:bodyPr rtlCol="0" anchor="ctr"/>
+          <a:lstStyle/>
+          <a:p>
+            <a:pPr algn="ctr"/>
+            <a:r>
+              <a:rPr lang="en-US" dirty="0"/>
+              <a:t>Service</a:t>
+            </a:r>
+          </a:p>
+        </p:txBody>
+      </p:sp>
+      <p:cxnSp>
+        <p:nvCxnSpPr>
+          <p:cNvPr id="59" name="Conector de Seta Reta 58">
+            <a:extLst>
+              <a:ext uri="{FF2B5EF4-FFF2-40B4-BE49-F238E27FC236}">
+                <a16:creationId xmlns:a16="http://schemas.microsoft.com/office/drawing/2014/main" id="{A3083723-41A6-46C3-B708-5E4781993916}"/>
+              </a:ext>
+            </a:extLst>
+          </p:cNvPr>
+          <p:cNvCxnSpPr>
+            <a:cxnSpLocks/>
+          </p:cNvCxnSpPr>
+          <p:nvPr/>
+        </p:nvCxnSpPr>
+        <p:spPr>
+          <a:xfrm>
+            <a:off x="4092399" y="2434729"/>
+            <a:ext cx="728975" cy="1"/>
+          </a:xfrm>
+          <a:prstGeom prst="straightConnector1">
+            <a:avLst/>
+          </a:prstGeom>
+          <a:ln>
+            <a:tailEnd type="triangle"/>
+          </a:ln>
+        </p:spPr>
+        <p:style>
+          <a:lnRef idx="1">
+            <a:schemeClr val="accent1"/>
+          </a:lnRef>
+          <a:fillRef idx="0">
+            <a:schemeClr val="accent1"/>
+          </a:fillRef>
+          <a:effectRef idx="0">
+            <a:schemeClr val="accent1"/>
+          </a:effectRef>
+          <a:fontRef idx="minor">
+            <a:schemeClr val="tx1"/>
+          </a:fontRef>
+        </p:style>
+      </p:cxnSp>
+      <p:pic>
+        <p:nvPicPr>
+          <p:cNvPr id="56" name="Imagem 55">
+            <a:extLst>
+              <a:ext uri="{FF2B5EF4-FFF2-40B4-BE49-F238E27FC236}">
+                <a16:creationId xmlns:a16="http://schemas.microsoft.com/office/drawing/2014/main" id="{F39678ED-C86F-48F9-8F99-968F11601428}"/>
+              </a:ext>
+            </a:extLst>
+          </p:cNvPr>
+          <p:cNvPicPr>
+            <a:picLocks noChangeAspect="1"/>
+          </p:cNvPicPr>
+          <p:nvPr/>
+        </p:nvPicPr>
+        <p:blipFill>
+          <a:blip r:embed="rId4"/>
+          <a:stretch>
+            <a:fillRect/>
+          </a:stretch>
+        </p:blipFill>
+        <p:spPr>
+          <a:xfrm>
+            <a:off x="699290" y="1676941"/>
+            <a:ext cx="1428750" cy="1428750"/>
+          </a:xfrm>
+          <a:prstGeom prst="rect">
+            <a:avLst/>
+          </a:prstGeom>
+        </p:spPr>
+      </p:pic>
+      <p:cxnSp>
+        <p:nvCxnSpPr>
+          <p:cNvPr id="63" name="Conector de Seta Reta 62">
+            <a:extLst>
+              <a:ext uri="{FF2B5EF4-FFF2-40B4-BE49-F238E27FC236}">
+                <a16:creationId xmlns:a16="http://schemas.microsoft.com/office/drawing/2014/main" id="{6FBBB724-B085-48D5-ACC2-1398C3F91FDD}"/>
+              </a:ext>
+            </a:extLst>
+          </p:cNvPr>
+          <p:cNvCxnSpPr>
+            <a:cxnSpLocks/>
+          </p:cNvCxnSpPr>
+          <p:nvPr/>
+        </p:nvCxnSpPr>
+        <p:spPr>
+          <a:xfrm>
+            <a:off x="2108106" y="2415558"/>
+            <a:ext cx="728975" cy="1"/>
+          </a:xfrm>
+          <a:prstGeom prst="straightConnector1">
+            <a:avLst/>
+          </a:prstGeom>
+          <a:ln>
+            <a:tailEnd type="triangle"/>
+          </a:ln>
+        </p:spPr>
+        <p:style>
+          <a:lnRef idx="1">
+            <a:schemeClr val="accent1"/>
+          </a:lnRef>
+          <a:fillRef idx="0">
+            <a:schemeClr val="accent1"/>
+          </a:fillRef>
+          <a:effectRef idx="0">
+            <a:schemeClr val="accent1"/>
+          </a:effectRef>
+          <a:fontRef idx="minor">
+            <a:schemeClr val="tx1"/>
+          </a:fontRef>
+        </p:style>
+      </p:cxnSp>
+      <p:sp>
+        <p:nvSpPr>
+          <p:cNvPr id="17" name="CaixaDeTexto 16">
+            <a:extLst>
+              <a:ext uri="{FF2B5EF4-FFF2-40B4-BE49-F238E27FC236}">
+                <a16:creationId xmlns:a16="http://schemas.microsoft.com/office/drawing/2014/main" id="{54995218-7DF6-400A-8D2C-3D94677D534C}"/>
+              </a:ext>
+            </a:extLst>
+          </p:cNvPr>
+          <p:cNvSpPr txBox="1"/>
+          <p:nvPr/>
+        </p:nvSpPr>
+        <p:spPr>
+          <a:xfrm>
+            <a:off x="4588457" y="1722745"/>
+            <a:ext cx="1194751" cy="369332"/>
+          </a:xfrm>
+          <a:prstGeom prst="rect">
+            <a:avLst/>
+          </a:prstGeom>
+          <a:noFill/>
+        </p:spPr>
+        <p:txBody>
+          <a:bodyPr wrap="none" rtlCol="0">
+            <a:spAutoFit/>
+          </a:bodyPr>
+          <a:lstStyle/>
+          <a:p>
+            <a:r>
+              <a:rPr lang="en-US" dirty="0" err="1"/>
+              <a:t>Wordpress</a:t>
+            </a:r>
+            <a:endParaRPr lang="pt-BR" dirty="0"/>
+          </a:p>
+        </p:txBody>
+      </p:sp>
+      <p:sp>
+        <p:nvSpPr>
+          <p:cNvPr id="64" name="CaixaDeTexto 63">
+            <a:extLst>
+              <a:ext uri="{FF2B5EF4-FFF2-40B4-BE49-F238E27FC236}">
+                <a16:creationId xmlns:a16="http://schemas.microsoft.com/office/drawing/2014/main" id="{BECE07AF-2615-43F0-B7A2-96234E00EBA4}"/>
+              </a:ext>
+            </a:extLst>
+          </p:cNvPr>
+          <p:cNvSpPr txBox="1"/>
+          <p:nvPr/>
+        </p:nvSpPr>
+        <p:spPr>
+          <a:xfrm>
+            <a:off x="7885248" y="1731303"/>
+            <a:ext cx="1003801" cy="369332"/>
+          </a:xfrm>
+          <a:prstGeom prst="rect">
+            <a:avLst/>
+          </a:prstGeom>
+          <a:noFill/>
+        </p:spPr>
+        <p:txBody>
+          <a:bodyPr wrap="none" rtlCol="0">
+            <a:spAutoFit/>
+          </a:bodyPr>
+          <a:lstStyle/>
+          <a:p>
+            <a:r>
+              <a:rPr lang="en-US" dirty="0"/>
+              <a:t>MariaDB</a:t>
+            </a:r>
+            <a:endParaRPr lang="pt-BR" dirty="0"/>
+          </a:p>
+        </p:txBody>
+      </p:sp>
+    </p:spTree>
+    <p:extLst>
+      <p:ext uri="{BB962C8B-B14F-4D97-AF65-F5344CB8AC3E}">
+        <p14:creationId xmlns:p14="http://schemas.microsoft.com/office/powerpoint/2010/main" val="517413287"/>
+      </p:ext>
+    </p:extLst>
+  </p:cSld>
+  <p:clrMapOvr>
+    <a:masterClrMapping/>
+  </p:clrMapOvr>
+</p:sld>
+</file>
+
+<file path=ppt/slides/slide21.xml><?xml version="1.0" encoding="utf-8"?>
+<p:sld xmlns:a="http://schemas.openxmlformats.org/drawingml/2006/main" xmlns:r="http://schemas.openxmlformats.org/officeDocument/2006/relationships" xmlns:p="http://schemas.openxmlformats.org/presentationml/2006/main">
+  <p:cSld>
+    <p:spTree>
+      <p:nvGrpSpPr>
+        <p:cNvPr id="1" name=""/>
+        <p:cNvGrpSpPr/>
+        <p:nvPr/>
+      </p:nvGrpSpPr>
+      <p:grpSpPr>
+        <a:xfrm>
+          <a:off x="0" y="0"/>
+          <a:ext cx="0" cy="0"/>
+          <a:chOff x="0" y="0"/>
+          <a:chExt cx="0" cy="0"/>
+        </a:xfrm>
+      </p:grpSpPr>
+      <p:grpSp>
+        <p:nvGrpSpPr>
+          <p:cNvPr id="40" name="Agrupar 39">
+            <a:extLst>
+              <a:ext uri="{FF2B5EF4-FFF2-40B4-BE49-F238E27FC236}">
+                <a16:creationId xmlns:a16="http://schemas.microsoft.com/office/drawing/2014/main" id="{C2FD8914-BBB1-4331-BBA1-144D45251013}"/>
+              </a:ext>
+            </a:extLst>
+          </p:cNvPr>
+          <p:cNvGrpSpPr/>
+          <p:nvPr/>
+        </p:nvGrpSpPr>
+        <p:grpSpPr>
+          <a:xfrm>
+            <a:off x="4877851" y="3261606"/>
+            <a:ext cx="643738" cy="607162"/>
+            <a:chOff x="2199981" y="1595059"/>
+            <a:chExt cx="643738" cy="607162"/>
+          </a:xfrm>
+        </p:grpSpPr>
+        <p:sp>
+          <p:nvSpPr>
+            <p:cNvPr id="13" name="Retângulo: Cantos Arredondados 12">
+              <a:extLst>
+                <a:ext uri="{FF2B5EF4-FFF2-40B4-BE49-F238E27FC236}">
+                  <a16:creationId xmlns:a16="http://schemas.microsoft.com/office/drawing/2014/main" id="{BAE37BBB-F557-4594-9905-D55F1D2C8E21}"/>
+                </a:ext>
+              </a:extLst>
+            </p:cNvPr>
+            <p:cNvSpPr/>
+            <p:nvPr/>
+          </p:nvSpPr>
+          <p:spPr>
+            <a:xfrm>
+              <a:off x="2199981" y="1595059"/>
+              <a:ext cx="643738" cy="607162"/>
+            </a:xfrm>
+            <a:prstGeom prst="roundRect">
+              <a:avLst/>
+            </a:prstGeom>
+          </p:spPr>
+          <p:style>
+            <a:lnRef idx="2">
+              <a:schemeClr val="accent1">
+                <a:shade val="50000"/>
+              </a:schemeClr>
+            </a:lnRef>
+            <a:fillRef idx="1">
+              <a:schemeClr val="accent1"/>
+            </a:fillRef>
+            <a:effectRef idx="0">
+              <a:schemeClr val="accent1"/>
+            </a:effectRef>
+            <a:fontRef idx="minor">
+              <a:schemeClr val="lt1"/>
+            </a:fontRef>
+          </p:style>
+          <p:txBody>
+            <a:bodyPr rtlCol="0" anchor="ctr"/>
+            <a:lstStyle/>
+            <a:p>
+              <a:pPr algn="ctr"/>
+              <a:endParaRPr lang="en-US"/>
+            </a:p>
+          </p:txBody>
+        </p:sp>
+        <p:pic>
+          <p:nvPicPr>
+            <p:cNvPr id="18" name="Imagem 17">
+              <a:extLst>
+                <a:ext uri="{FF2B5EF4-FFF2-40B4-BE49-F238E27FC236}">
+                  <a16:creationId xmlns:a16="http://schemas.microsoft.com/office/drawing/2014/main" id="{BD1015D3-DCE6-4CFE-930D-6FEB6F8E3719}"/>
+                </a:ext>
+              </a:extLst>
+            </p:cNvPr>
+            <p:cNvPicPr>
+              <a:picLocks noChangeAspect="1"/>
+            </p:cNvPicPr>
+            <p:nvPr/>
+          </p:nvPicPr>
+          <p:blipFill>
+            <a:blip r:embed="rId2"/>
+            <a:stretch>
+              <a:fillRect/>
+            </a:stretch>
+          </p:blipFill>
+          <p:spPr>
+            <a:xfrm>
+              <a:off x="2298553" y="1682841"/>
+              <a:ext cx="426016" cy="454283"/>
+            </a:xfrm>
+            <a:prstGeom prst="rect">
+              <a:avLst/>
+            </a:prstGeom>
+          </p:spPr>
+        </p:pic>
+      </p:grpSp>
+      <p:grpSp>
+        <p:nvGrpSpPr>
+          <p:cNvPr id="36" name="Agrupar 35">
+            <a:extLst>
+              <a:ext uri="{FF2B5EF4-FFF2-40B4-BE49-F238E27FC236}">
+                <a16:creationId xmlns:a16="http://schemas.microsoft.com/office/drawing/2014/main" id="{692F5462-A43A-4726-87DA-2E1568DC4E11}"/>
+              </a:ext>
+            </a:extLst>
+          </p:cNvPr>
+          <p:cNvGrpSpPr/>
+          <p:nvPr/>
+        </p:nvGrpSpPr>
+        <p:grpSpPr>
+          <a:xfrm>
+            <a:off x="4877851" y="2100635"/>
+            <a:ext cx="643738" cy="607162"/>
+            <a:chOff x="3784134" y="1595059"/>
+            <a:chExt cx="643738" cy="607162"/>
+          </a:xfrm>
+        </p:grpSpPr>
+        <p:sp>
+          <p:nvSpPr>
+            <p:cNvPr id="42" name="Retângulo: Cantos Arredondados 41">
+              <a:extLst>
+                <a:ext uri="{FF2B5EF4-FFF2-40B4-BE49-F238E27FC236}">
+                  <a16:creationId xmlns:a16="http://schemas.microsoft.com/office/drawing/2014/main" id="{FAF7D360-4C40-4BB6-855D-D2FDF0C253A9}"/>
+                </a:ext>
+              </a:extLst>
+            </p:cNvPr>
+            <p:cNvSpPr/>
+            <p:nvPr/>
+          </p:nvSpPr>
+          <p:spPr>
+            <a:xfrm>
+              <a:off x="3784134" y="1595059"/>
+              <a:ext cx="643738" cy="607162"/>
+            </a:xfrm>
+            <a:prstGeom prst="roundRect">
+              <a:avLst/>
+            </a:prstGeom>
+          </p:spPr>
+          <p:style>
+            <a:lnRef idx="2">
+              <a:schemeClr val="accent1">
+                <a:shade val="50000"/>
+              </a:schemeClr>
+            </a:lnRef>
+            <a:fillRef idx="1">
+              <a:schemeClr val="accent1"/>
+            </a:fillRef>
+            <a:effectRef idx="0">
+              <a:schemeClr val="accent1"/>
+            </a:effectRef>
+            <a:fontRef idx="minor">
+              <a:schemeClr val="lt1"/>
+            </a:fontRef>
+          </p:style>
+          <p:txBody>
+            <a:bodyPr rtlCol="0" anchor="ctr"/>
+            <a:lstStyle/>
+            <a:p>
+              <a:pPr algn="ctr"/>
+              <a:endParaRPr lang="en-US"/>
+            </a:p>
+          </p:txBody>
+        </p:sp>
+        <p:pic>
+          <p:nvPicPr>
+            <p:cNvPr id="44" name="Imagem 43">
+              <a:extLst>
+                <a:ext uri="{FF2B5EF4-FFF2-40B4-BE49-F238E27FC236}">
+                  <a16:creationId xmlns:a16="http://schemas.microsoft.com/office/drawing/2014/main" id="{FA7F5997-0A72-40D2-9852-3CEA8E3605E6}"/>
+                </a:ext>
+              </a:extLst>
+            </p:cNvPr>
+            <p:cNvPicPr>
+              <a:picLocks noChangeAspect="1"/>
+            </p:cNvPicPr>
+            <p:nvPr/>
+          </p:nvPicPr>
+          <p:blipFill>
+            <a:blip r:embed="rId2"/>
+            <a:stretch>
+              <a:fillRect/>
+            </a:stretch>
+          </p:blipFill>
+          <p:spPr>
+            <a:xfrm>
+              <a:off x="3882706" y="1682841"/>
+              <a:ext cx="426016" cy="454283"/>
+            </a:xfrm>
+            <a:prstGeom prst="rect">
+              <a:avLst/>
+            </a:prstGeom>
+          </p:spPr>
+        </p:pic>
+      </p:grpSp>
+      <p:sp>
+        <p:nvSpPr>
+          <p:cNvPr id="54" name="Retângulo: Cantos Arredondados 53">
+            <a:extLst>
+              <a:ext uri="{FF2B5EF4-FFF2-40B4-BE49-F238E27FC236}">
+                <a16:creationId xmlns:a16="http://schemas.microsoft.com/office/drawing/2014/main" id="{B27EC887-3A6C-4CFF-96C1-AF1778F2172F}"/>
+              </a:ext>
+            </a:extLst>
+          </p:cNvPr>
+          <p:cNvSpPr/>
+          <p:nvPr/>
+        </p:nvSpPr>
+        <p:spPr>
+          <a:xfrm>
+            <a:off x="6431740" y="2179940"/>
+            <a:ext cx="988693" cy="369332"/>
+          </a:xfrm>
+          <a:prstGeom prst="roundRect">
+            <a:avLst/>
+          </a:prstGeom>
+        </p:spPr>
+        <p:style>
+          <a:lnRef idx="2">
+            <a:schemeClr val="accent1">
+              <a:shade val="50000"/>
+            </a:schemeClr>
+          </a:lnRef>
+          <a:fillRef idx="1">
+            <a:schemeClr val="accent1"/>
+          </a:fillRef>
+          <a:effectRef idx="0">
+            <a:schemeClr val="accent1"/>
+          </a:effectRef>
+          <a:fontRef idx="minor">
+            <a:schemeClr val="lt1"/>
+          </a:fontRef>
+        </p:style>
+        <p:txBody>
+          <a:bodyPr rtlCol="0" anchor="ctr"/>
+          <a:lstStyle/>
+          <a:p>
+            <a:pPr algn="ctr"/>
+            <a:r>
+              <a:rPr lang="en-US" dirty="0"/>
+              <a:t>Service</a:t>
+            </a:r>
+          </a:p>
+        </p:txBody>
+      </p:sp>
+      <p:cxnSp>
+        <p:nvCxnSpPr>
+          <p:cNvPr id="60" name="Conector de Seta Reta 59">
+            <a:extLst>
+              <a:ext uri="{FF2B5EF4-FFF2-40B4-BE49-F238E27FC236}">
+                <a16:creationId xmlns:a16="http://schemas.microsoft.com/office/drawing/2014/main" id="{7DE6259D-C1CD-49FD-8C8D-7EBE499B199D}"/>
+              </a:ext>
+            </a:extLst>
+          </p:cNvPr>
+          <p:cNvCxnSpPr>
+            <a:cxnSpLocks/>
+          </p:cNvCxnSpPr>
+          <p:nvPr/>
+        </p:nvCxnSpPr>
+        <p:spPr>
+          <a:xfrm>
+            <a:off x="7508995" y="2405881"/>
+            <a:ext cx="443332" cy="0"/>
+          </a:xfrm>
+          <a:prstGeom prst="straightConnector1">
+            <a:avLst/>
+          </a:prstGeom>
+          <a:ln>
+            <a:headEnd type="triangle"/>
+            <a:tailEnd type="triangle"/>
+          </a:ln>
+        </p:spPr>
+        <p:style>
+          <a:lnRef idx="2">
+            <a:schemeClr val="accent1"/>
+          </a:lnRef>
+          <a:fillRef idx="0">
+            <a:schemeClr val="accent1"/>
+          </a:fillRef>
+          <a:effectRef idx="1">
+            <a:schemeClr val="accent1"/>
+          </a:effectRef>
+          <a:fontRef idx="minor">
+            <a:schemeClr val="tx1"/>
+          </a:fontRef>
+        </p:style>
+      </p:cxnSp>
+      <p:cxnSp>
+        <p:nvCxnSpPr>
+          <p:cNvPr id="62" name="Conector de Seta Reta 61">
+            <a:extLst>
+              <a:ext uri="{FF2B5EF4-FFF2-40B4-BE49-F238E27FC236}">
+                <a16:creationId xmlns:a16="http://schemas.microsoft.com/office/drawing/2014/main" id="{242DBA31-0DBC-48C0-B783-0E7173C85F3E}"/>
+              </a:ext>
+            </a:extLst>
+          </p:cNvPr>
+          <p:cNvCxnSpPr>
+            <a:cxnSpLocks/>
+          </p:cNvCxnSpPr>
+          <p:nvPr/>
+        </p:nvCxnSpPr>
+        <p:spPr>
+          <a:xfrm flipV="1">
+            <a:off x="5620161" y="2585532"/>
+            <a:ext cx="612409" cy="990997"/>
+          </a:xfrm>
+          <a:prstGeom prst="straightConnector1">
+            <a:avLst/>
+          </a:prstGeom>
+          <a:ln>
+            <a:tailEnd type="triangle"/>
+          </a:ln>
+        </p:spPr>
+        <p:style>
+          <a:lnRef idx="1">
+            <a:schemeClr val="accent1"/>
+          </a:lnRef>
+          <a:fillRef idx="0">
+            <a:schemeClr val="accent1"/>
+          </a:fillRef>
+          <a:effectRef idx="0">
+            <a:schemeClr val="accent1"/>
+          </a:effectRef>
+          <a:fontRef idx="minor">
+            <a:schemeClr val="tx1"/>
+          </a:fontRef>
+        </p:style>
+      </p:cxnSp>
+      <p:cxnSp>
+        <p:nvCxnSpPr>
+          <p:cNvPr id="68" name="Conector de Seta Reta 67">
+            <a:extLst>
+              <a:ext uri="{FF2B5EF4-FFF2-40B4-BE49-F238E27FC236}">
+                <a16:creationId xmlns:a16="http://schemas.microsoft.com/office/drawing/2014/main" id="{6C3FC8AB-984A-4450-82B1-3426AAD8EE38}"/>
+              </a:ext>
+            </a:extLst>
+          </p:cNvPr>
+          <p:cNvCxnSpPr>
+            <a:cxnSpLocks/>
+          </p:cNvCxnSpPr>
+          <p:nvPr/>
+        </p:nvCxnSpPr>
+        <p:spPr>
+          <a:xfrm>
+            <a:off x="5659710" y="2399136"/>
+            <a:ext cx="633909" cy="5080"/>
+          </a:xfrm>
+          <a:prstGeom prst="straightConnector1">
+            <a:avLst/>
+          </a:prstGeom>
+          <a:ln>
+            <a:tailEnd type="triangle"/>
+          </a:ln>
+        </p:spPr>
+        <p:style>
+          <a:lnRef idx="1">
+            <a:schemeClr val="accent1"/>
+          </a:lnRef>
+          <a:fillRef idx="0">
+            <a:schemeClr val="accent1"/>
+          </a:fillRef>
+          <a:effectRef idx="0">
+            <a:schemeClr val="accent1"/>
+          </a:effectRef>
+          <a:fontRef idx="minor">
+            <a:schemeClr val="tx1"/>
+          </a:fontRef>
+        </p:style>
+      </p:cxnSp>
+      <p:grpSp>
+        <p:nvGrpSpPr>
+          <p:cNvPr id="51" name="Agrupar 50">
+            <a:extLst>
+              <a:ext uri="{FF2B5EF4-FFF2-40B4-BE49-F238E27FC236}">
+                <a16:creationId xmlns:a16="http://schemas.microsoft.com/office/drawing/2014/main" id="{68CD6BAD-AAC6-48B7-B7BA-886D3C3E0D84}"/>
+              </a:ext>
+            </a:extLst>
+          </p:cNvPr>
+          <p:cNvGrpSpPr/>
+          <p:nvPr/>
+        </p:nvGrpSpPr>
+        <p:grpSpPr>
+          <a:xfrm>
+            <a:off x="8065281" y="2100635"/>
+            <a:ext cx="643738" cy="607162"/>
+            <a:chOff x="5636616" y="3154225"/>
+            <a:chExt cx="643738" cy="607162"/>
+          </a:xfrm>
+        </p:grpSpPr>
+        <p:sp>
+          <p:nvSpPr>
+            <p:cNvPr id="48" name="Retângulo: Cantos Arredondados 47">
+              <a:extLst>
+                <a:ext uri="{FF2B5EF4-FFF2-40B4-BE49-F238E27FC236}">
+                  <a16:creationId xmlns:a16="http://schemas.microsoft.com/office/drawing/2014/main" id="{C877BF90-3048-46FD-9268-07B2B4DA8F7D}"/>
+                </a:ext>
+              </a:extLst>
+            </p:cNvPr>
+            <p:cNvSpPr/>
+            <p:nvPr/>
+          </p:nvSpPr>
+          <p:spPr>
+            <a:xfrm>
+              <a:off x="5636616" y="3154225"/>
+              <a:ext cx="643738" cy="607162"/>
+            </a:xfrm>
+            <a:prstGeom prst="roundRect">
+              <a:avLst/>
+            </a:prstGeom>
+          </p:spPr>
+          <p:style>
+            <a:lnRef idx="2">
+              <a:schemeClr val="accent1">
+                <a:shade val="50000"/>
+              </a:schemeClr>
+            </a:lnRef>
+            <a:fillRef idx="1">
+              <a:schemeClr val="accent1"/>
+            </a:fillRef>
+            <a:effectRef idx="0">
+              <a:schemeClr val="accent1"/>
+            </a:effectRef>
+            <a:fontRef idx="minor">
+              <a:schemeClr val="lt1"/>
+            </a:fontRef>
+          </p:style>
+          <p:txBody>
+            <a:bodyPr rtlCol="0" anchor="ctr"/>
+            <a:lstStyle/>
+            <a:p>
+              <a:pPr algn="ctr"/>
+              <a:endParaRPr lang="en-US"/>
+            </a:p>
+          </p:txBody>
+        </p:sp>
+        <p:pic>
+          <p:nvPicPr>
+            <p:cNvPr id="50" name="Imagem 49">
+              <a:extLst>
+                <a:ext uri="{FF2B5EF4-FFF2-40B4-BE49-F238E27FC236}">
+                  <a16:creationId xmlns:a16="http://schemas.microsoft.com/office/drawing/2014/main" id="{4C50A7EA-12EC-44C5-8D66-E018D66E1D59}"/>
+                </a:ext>
+              </a:extLst>
+            </p:cNvPr>
+            <p:cNvPicPr>
+              <a:picLocks noChangeAspect="1"/>
+            </p:cNvPicPr>
+            <p:nvPr/>
+          </p:nvPicPr>
+          <p:blipFill>
+            <a:blip r:embed="rId3"/>
+            <a:stretch>
+              <a:fillRect/>
+            </a:stretch>
+          </p:blipFill>
+          <p:spPr>
+            <a:xfrm flipH="1">
+              <a:off x="5740318" y="3222309"/>
+              <a:ext cx="436332" cy="470994"/>
+            </a:xfrm>
+            <a:prstGeom prst="rect">
+              <a:avLst/>
+            </a:prstGeom>
+          </p:spPr>
+        </p:pic>
+      </p:grpSp>
+      <p:sp>
+        <p:nvSpPr>
+          <p:cNvPr id="52" name="Retângulo: Cantos Arredondados 51">
+            <a:extLst>
+              <a:ext uri="{FF2B5EF4-FFF2-40B4-BE49-F238E27FC236}">
+                <a16:creationId xmlns:a16="http://schemas.microsoft.com/office/drawing/2014/main" id="{E133C36D-DC7A-4408-9E3D-6632371436DF}"/>
+              </a:ext>
+            </a:extLst>
+          </p:cNvPr>
+          <p:cNvSpPr/>
+          <p:nvPr/>
+        </p:nvSpPr>
+        <p:spPr>
+          <a:xfrm>
+            <a:off x="2978995" y="2240839"/>
+            <a:ext cx="988693" cy="369332"/>
+          </a:xfrm>
+          <a:prstGeom prst="roundRect">
+            <a:avLst/>
+          </a:prstGeom>
+        </p:spPr>
+        <p:style>
+          <a:lnRef idx="2">
+            <a:schemeClr val="accent1">
+              <a:shade val="50000"/>
+            </a:schemeClr>
+          </a:lnRef>
+          <a:fillRef idx="1">
+            <a:schemeClr val="accent1"/>
+          </a:fillRef>
+          <a:effectRef idx="0">
+            <a:schemeClr val="accent1"/>
+          </a:effectRef>
+          <a:fontRef idx="minor">
+            <a:schemeClr val="lt1"/>
+          </a:fontRef>
+        </p:style>
+        <p:txBody>
+          <a:bodyPr rtlCol="0" anchor="ctr"/>
+          <a:lstStyle/>
+          <a:p>
+            <a:pPr algn="ctr"/>
+            <a:r>
+              <a:rPr lang="en-US" dirty="0"/>
+              <a:t>Service</a:t>
+            </a:r>
+          </a:p>
+        </p:txBody>
+      </p:sp>
+      <p:cxnSp>
+        <p:nvCxnSpPr>
+          <p:cNvPr id="59" name="Conector de Seta Reta 58">
+            <a:extLst>
+              <a:ext uri="{FF2B5EF4-FFF2-40B4-BE49-F238E27FC236}">
+                <a16:creationId xmlns:a16="http://schemas.microsoft.com/office/drawing/2014/main" id="{A3083723-41A6-46C3-B708-5E4781993916}"/>
+              </a:ext>
+            </a:extLst>
+          </p:cNvPr>
+          <p:cNvCxnSpPr>
+            <a:cxnSpLocks/>
+          </p:cNvCxnSpPr>
+          <p:nvPr/>
+        </p:nvCxnSpPr>
+        <p:spPr>
+          <a:xfrm>
+            <a:off x="4092399" y="2434729"/>
+            <a:ext cx="728975" cy="1"/>
+          </a:xfrm>
+          <a:prstGeom prst="straightConnector1">
+            <a:avLst/>
+          </a:prstGeom>
+          <a:ln>
+            <a:tailEnd type="triangle"/>
+          </a:ln>
+        </p:spPr>
+        <p:style>
+          <a:lnRef idx="1">
+            <a:schemeClr val="accent1"/>
+          </a:lnRef>
+          <a:fillRef idx="0">
+            <a:schemeClr val="accent1"/>
+          </a:fillRef>
+          <a:effectRef idx="0">
+            <a:schemeClr val="accent1"/>
+          </a:effectRef>
+          <a:fontRef idx="minor">
+            <a:schemeClr val="tx1"/>
+          </a:fontRef>
+        </p:style>
+      </p:cxnSp>
+      <p:cxnSp>
+        <p:nvCxnSpPr>
+          <p:cNvPr id="61" name="Conector de Seta Reta 60">
+            <a:extLst>
+              <a:ext uri="{FF2B5EF4-FFF2-40B4-BE49-F238E27FC236}">
+                <a16:creationId xmlns:a16="http://schemas.microsoft.com/office/drawing/2014/main" id="{B4A68159-B77B-4B88-ACCC-EFC463B677E9}"/>
+              </a:ext>
+            </a:extLst>
+          </p:cNvPr>
+          <p:cNvCxnSpPr>
+            <a:cxnSpLocks/>
+          </p:cNvCxnSpPr>
+          <p:nvPr/>
+        </p:nvCxnSpPr>
+        <p:spPr>
+          <a:xfrm>
+            <a:off x="4092399" y="2585532"/>
+            <a:ext cx="712691" cy="1040318"/>
+          </a:xfrm>
+          <a:prstGeom prst="straightConnector1">
+            <a:avLst/>
+          </a:prstGeom>
+          <a:ln>
+            <a:tailEnd type="triangle"/>
+          </a:ln>
+        </p:spPr>
+        <p:style>
+          <a:lnRef idx="1">
+            <a:schemeClr val="accent1"/>
+          </a:lnRef>
+          <a:fillRef idx="0">
+            <a:schemeClr val="accent1"/>
+          </a:fillRef>
+          <a:effectRef idx="0">
+            <a:schemeClr val="accent1"/>
+          </a:effectRef>
+          <a:fontRef idx="minor">
+            <a:schemeClr val="tx1"/>
+          </a:fontRef>
+        </p:style>
+      </p:cxnSp>
+      <p:pic>
+        <p:nvPicPr>
+          <p:cNvPr id="56" name="Imagem 55">
+            <a:extLst>
+              <a:ext uri="{FF2B5EF4-FFF2-40B4-BE49-F238E27FC236}">
+                <a16:creationId xmlns:a16="http://schemas.microsoft.com/office/drawing/2014/main" id="{F39678ED-C86F-48F9-8F99-968F11601428}"/>
+              </a:ext>
+            </a:extLst>
+          </p:cNvPr>
+          <p:cNvPicPr>
+            <a:picLocks noChangeAspect="1"/>
+          </p:cNvPicPr>
+          <p:nvPr/>
+        </p:nvPicPr>
+        <p:blipFill>
+          <a:blip r:embed="rId4"/>
+          <a:stretch>
+            <a:fillRect/>
+          </a:stretch>
+        </p:blipFill>
+        <p:spPr>
+          <a:xfrm>
+            <a:off x="699290" y="1676941"/>
+            <a:ext cx="1428750" cy="1428750"/>
+          </a:xfrm>
+          <a:prstGeom prst="rect">
+            <a:avLst/>
+          </a:prstGeom>
+        </p:spPr>
+      </p:pic>
+      <p:cxnSp>
+        <p:nvCxnSpPr>
+          <p:cNvPr id="63" name="Conector de Seta Reta 62">
+            <a:extLst>
+              <a:ext uri="{FF2B5EF4-FFF2-40B4-BE49-F238E27FC236}">
+                <a16:creationId xmlns:a16="http://schemas.microsoft.com/office/drawing/2014/main" id="{6FBBB724-B085-48D5-ACC2-1398C3F91FDD}"/>
+              </a:ext>
+            </a:extLst>
+          </p:cNvPr>
+          <p:cNvCxnSpPr>
+            <a:cxnSpLocks/>
+          </p:cNvCxnSpPr>
+          <p:nvPr/>
+        </p:nvCxnSpPr>
+        <p:spPr>
+          <a:xfrm>
+            <a:off x="2108106" y="2415558"/>
+            <a:ext cx="728975" cy="1"/>
+          </a:xfrm>
+          <a:prstGeom prst="straightConnector1">
+            <a:avLst/>
+          </a:prstGeom>
+          <a:ln>
+            <a:tailEnd type="triangle"/>
+          </a:ln>
+        </p:spPr>
+        <p:style>
+          <a:lnRef idx="1">
+            <a:schemeClr val="accent1"/>
+          </a:lnRef>
+          <a:fillRef idx="0">
+            <a:schemeClr val="accent1"/>
+          </a:fillRef>
+          <a:effectRef idx="0">
+            <a:schemeClr val="accent1"/>
+          </a:effectRef>
+          <a:fontRef idx="minor">
+            <a:schemeClr val="tx1"/>
+          </a:fontRef>
+        </p:style>
+      </p:cxnSp>
+      <p:sp>
+        <p:nvSpPr>
+          <p:cNvPr id="17" name="CaixaDeTexto 16">
+            <a:extLst>
+              <a:ext uri="{FF2B5EF4-FFF2-40B4-BE49-F238E27FC236}">
+                <a16:creationId xmlns:a16="http://schemas.microsoft.com/office/drawing/2014/main" id="{54995218-7DF6-400A-8D2C-3D94677D534C}"/>
+              </a:ext>
+            </a:extLst>
+          </p:cNvPr>
+          <p:cNvSpPr txBox="1"/>
+          <p:nvPr/>
+        </p:nvSpPr>
+        <p:spPr>
+          <a:xfrm>
+            <a:off x="4588457" y="1722745"/>
+            <a:ext cx="1194751" cy="369332"/>
+          </a:xfrm>
+          <a:prstGeom prst="rect">
+            <a:avLst/>
+          </a:prstGeom>
+          <a:noFill/>
+        </p:spPr>
+        <p:txBody>
+          <a:bodyPr wrap="none" rtlCol="0">
+            <a:spAutoFit/>
+          </a:bodyPr>
+          <a:lstStyle/>
+          <a:p>
+            <a:r>
+              <a:rPr lang="en-US" dirty="0" err="1"/>
+              <a:t>Wordpress</a:t>
+            </a:r>
+            <a:endParaRPr lang="pt-BR" dirty="0"/>
+          </a:p>
+        </p:txBody>
+      </p:sp>
+      <p:sp>
+        <p:nvSpPr>
+          <p:cNvPr id="64" name="CaixaDeTexto 63">
+            <a:extLst>
+              <a:ext uri="{FF2B5EF4-FFF2-40B4-BE49-F238E27FC236}">
+                <a16:creationId xmlns:a16="http://schemas.microsoft.com/office/drawing/2014/main" id="{BECE07AF-2615-43F0-B7A2-96234E00EBA4}"/>
+              </a:ext>
+            </a:extLst>
+          </p:cNvPr>
+          <p:cNvSpPr txBox="1"/>
+          <p:nvPr/>
+        </p:nvSpPr>
+        <p:spPr>
+          <a:xfrm>
+            <a:off x="7885248" y="1731303"/>
+            <a:ext cx="1003801" cy="369332"/>
+          </a:xfrm>
+          <a:prstGeom prst="rect">
+            <a:avLst/>
+          </a:prstGeom>
+          <a:noFill/>
+        </p:spPr>
+        <p:txBody>
+          <a:bodyPr wrap="none" rtlCol="0">
+            <a:spAutoFit/>
+          </a:bodyPr>
+          <a:lstStyle/>
+          <a:p>
+            <a:r>
+              <a:rPr lang="en-US" dirty="0"/>
+              <a:t>MariaDB</a:t>
+            </a:r>
+            <a:endParaRPr lang="pt-BR" dirty="0"/>
+          </a:p>
+        </p:txBody>
+      </p:sp>
+    </p:spTree>
+    <p:extLst>
+      <p:ext uri="{BB962C8B-B14F-4D97-AF65-F5344CB8AC3E}">
+        <p14:creationId xmlns:p14="http://schemas.microsoft.com/office/powerpoint/2010/main" val="1400753424"/>
+      </p:ext>
+    </p:extLst>
+  </p:cSld>
+  <p:clrMapOvr>
+    <a:masterClrMapping/>
+  </p:clrMapOvr>
+  <mc:AlternateContent xmlns:mc="http://schemas.openxmlformats.org/markup-compatibility/2006">
+    <mc:Choice xmlns:p159="http://schemas.microsoft.com/office/powerpoint/2015/09/main" Requires="p159">
+      <p:transition xmlns:p14="http://schemas.microsoft.com/office/powerpoint/2010/main" spd="slow" p14:dur="2000">
+        <p159:morph option="byObject"/>
+      </p:transition>
+    </mc:Choice>
+    <mc:Fallback>
+      <p:transition spd="slow">
+        <p:fade/>
+      </p:transition>
+    </mc:Fallback>
+  </mc:AlternateContent>
+</p:sld>
+</file>
+
+<file path=ppt/slides/slide22.xml><?xml version="1.0" encoding="utf-8"?>
+<p:sld xmlns:a="http://schemas.openxmlformats.org/drawingml/2006/main" xmlns:r="http://schemas.openxmlformats.org/officeDocument/2006/relationships" xmlns:p="http://schemas.openxmlformats.org/presentationml/2006/main">
+  <p:cSld>
+    <p:spTree>
+      <p:nvGrpSpPr>
+        <p:cNvPr id="1" name=""/>
+        <p:cNvGrpSpPr/>
+        <p:nvPr/>
+      </p:nvGrpSpPr>
+      <p:grpSpPr>
+        <a:xfrm>
+          <a:off x="0" y="0"/>
+          <a:ext cx="0" cy="0"/>
+          <a:chOff x="0" y="0"/>
+          <a:chExt cx="0" cy="0"/>
+        </a:xfrm>
+      </p:grpSpPr>
+      <p:grpSp>
+        <p:nvGrpSpPr>
+          <p:cNvPr id="40" name="Agrupar 39">
+            <a:extLst>
+              <a:ext uri="{FF2B5EF4-FFF2-40B4-BE49-F238E27FC236}">
+                <a16:creationId xmlns:a16="http://schemas.microsoft.com/office/drawing/2014/main" id="{C2FD8914-BBB1-4331-BBA1-144D45251013}"/>
+              </a:ext>
+            </a:extLst>
+          </p:cNvPr>
+          <p:cNvGrpSpPr/>
+          <p:nvPr/>
+        </p:nvGrpSpPr>
+        <p:grpSpPr>
+          <a:xfrm>
+            <a:off x="4877851" y="3261606"/>
+            <a:ext cx="643738" cy="607162"/>
+            <a:chOff x="2199981" y="1595059"/>
+            <a:chExt cx="643738" cy="607162"/>
+          </a:xfrm>
+        </p:grpSpPr>
+        <p:sp>
+          <p:nvSpPr>
+            <p:cNvPr id="13" name="Retângulo: Cantos Arredondados 12">
+              <a:extLst>
+                <a:ext uri="{FF2B5EF4-FFF2-40B4-BE49-F238E27FC236}">
+                  <a16:creationId xmlns:a16="http://schemas.microsoft.com/office/drawing/2014/main" id="{BAE37BBB-F557-4594-9905-D55F1D2C8E21}"/>
+                </a:ext>
+              </a:extLst>
+            </p:cNvPr>
+            <p:cNvSpPr/>
+            <p:nvPr/>
+          </p:nvSpPr>
+          <p:spPr>
+            <a:xfrm>
+              <a:off x="2199981" y="1595059"/>
+              <a:ext cx="643738" cy="607162"/>
+            </a:xfrm>
+            <a:prstGeom prst="roundRect">
+              <a:avLst/>
+            </a:prstGeom>
+          </p:spPr>
+          <p:style>
+            <a:lnRef idx="2">
+              <a:schemeClr val="accent1">
+                <a:shade val="50000"/>
+              </a:schemeClr>
+            </a:lnRef>
+            <a:fillRef idx="1">
+              <a:schemeClr val="accent1"/>
+            </a:fillRef>
+            <a:effectRef idx="0">
+              <a:schemeClr val="accent1"/>
+            </a:effectRef>
+            <a:fontRef idx="minor">
+              <a:schemeClr val="lt1"/>
+            </a:fontRef>
+          </p:style>
+          <p:txBody>
+            <a:bodyPr rtlCol="0" anchor="ctr"/>
+            <a:lstStyle/>
+            <a:p>
+              <a:pPr algn="ctr"/>
+              <a:endParaRPr lang="en-US"/>
+            </a:p>
+          </p:txBody>
+        </p:sp>
+        <p:pic>
+          <p:nvPicPr>
+            <p:cNvPr id="18" name="Imagem 17">
+              <a:extLst>
+                <a:ext uri="{FF2B5EF4-FFF2-40B4-BE49-F238E27FC236}">
+                  <a16:creationId xmlns:a16="http://schemas.microsoft.com/office/drawing/2014/main" id="{BD1015D3-DCE6-4CFE-930D-6FEB6F8E3719}"/>
+                </a:ext>
+              </a:extLst>
+            </p:cNvPr>
+            <p:cNvPicPr>
+              <a:picLocks noChangeAspect="1"/>
+            </p:cNvPicPr>
+            <p:nvPr/>
+          </p:nvPicPr>
+          <p:blipFill>
+            <a:blip r:embed="rId2"/>
+            <a:stretch>
+              <a:fillRect/>
+            </a:stretch>
+          </p:blipFill>
+          <p:spPr>
+            <a:xfrm>
+              <a:off x="2298553" y="1682841"/>
+              <a:ext cx="426016" cy="454283"/>
+            </a:xfrm>
+            <a:prstGeom prst="rect">
+              <a:avLst/>
+            </a:prstGeom>
+          </p:spPr>
+        </p:pic>
+      </p:grpSp>
+      <p:grpSp>
+        <p:nvGrpSpPr>
+          <p:cNvPr id="36" name="Agrupar 35">
+            <a:extLst>
+              <a:ext uri="{FF2B5EF4-FFF2-40B4-BE49-F238E27FC236}">
+                <a16:creationId xmlns:a16="http://schemas.microsoft.com/office/drawing/2014/main" id="{692F5462-A43A-4726-87DA-2E1568DC4E11}"/>
+              </a:ext>
+            </a:extLst>
+          </p:cNvPr>
+          <p:cNvGrpSpPr/>
+          <p:nvPr/>
+        </p:nvGrpSpPr>
+        <p:grpSpPr>
+          <a:xfrm>
+            <a:off x="4877851" y="2100635"/>
+            <a:ext cx="643738" cy="607162"/>
+            <a:chOff x="3784134" y="1595059"/>
+            <a:chExt cx="643738" cy="607162"/>
+          </a:xfrm>
+        </p:grpSpPr>
+        <p:sp>
+          <p:nvSpPr>
+            <p:cNvPr id="42" name="Retângulo: Cantos Arredondados 41">
+              <a:extLst>
+                <a:ext uri="{FF2B5EF4-FFF2-40B4-BE49-F238E27FC236}">
+                  <a16:creationId xmlns:a16="http://schemas.microsoft.com/office/drawing/2014/main" id="{FAF7D360-4C40-4BB6-855D-D2FDF0C253A9}"/>
+                </a:ext>
+              </a:extLst>
+            </p:cNvPr>
+            <p:cNvSpPr/>
+            <p:nvPr/>
+          </p:nvSpPr>
+          <p:spPr>
+            <a:xfrm>
+              <a:off x="3784134" y="1595059"/>
+              <a:ext cx="643738" cy="607162"/>
+            </a:xfrm>
+            <a:prstGeom prst="roundRect">
+              <a:avLst/>
+            </a:prstGeom>
+          </p:spPr>
+          <p:style>
+            <a:lnRef idx="2">
+              <a:schemeClr val="accent1">
+                <a:shade val="50000"/>
+              </a:schemeClr>
+            </a:lnRef>
+            <a:fillRef idx="1">
+              <a:schemeClr val="accent1"/>
+            </a:fillRef>
+            <a:effectRef idx="0">
+              <a:schemeClr val="accent1"/>
+            </a:effectRef>
+            <a:fontRef idx="minor">
+              <a:schemeClr val="lt1"/>
+            </a:fontRef>
+          </p:style>
+          <p:txBody>
+            <a:bodyPr rtlCol="0" anchor="ctr"/>
+            <a:lstStyle/>
+            <a:p>
+              <a:pPr algn="ctr"/>
+              <a:endParaRPr lang="en-US"/>
+            </a:p>
+          </p:txBody>
+        </p:sp>
+        <p:pic>
+          <p:nvPicPr>
+            <p:cNvPr id="44" name="Imagem 43">
+              <a:extLst>
+                <a:ext uri="{FF2B5EF4-FFF2-40B4-BE49-F238E27FC236}">
+                  <a16:creationId xmlns:a16="http://schemas.microsoft.com/office/drawing/2014/main" id="{FA7F5997-0A72-40D2-9852-3CEA8E3605E6}"/>
+                </a:ext>
+              </a:extLst>
+            </p:cNvPr>
+            <p:cNvPicPr>
+              <a:picLocks noChangeAspect="1"/>
+            </p:cNvPicPr>
+            <p:nvPr/>
+          </p:nvPicPr>
+          <p:blipFill>
+            <a:blip r:embed="rId2"/>
+            <a:stretch>
+              <a:fillRect/>
+            </a:stretch>
+          </p:blipFill>
+          <p:spPr>
+            <a:xfrm>
+              <a:off x="3882706" y="1682841"/>
+              <a:ext cx="426016" cy="454283"/>
+            </a:xfrm>
+            <a:prstGeom prst="rect">
+              <a:avLst/>
+            </a:prstGeom>
+          </p:spPr>
+        </p:pic>
+      </p:grpSp>
+      <p:grpSp>
+        <p:nvGrpSpPr>
+          <p:cNvPr id="35" name="Agrupar 34">
+            <a:extLst>
+              <a:ext uri="{FF2B5EF4-FFF2-40B4-BE49-F238E27FC236}">
+                <a16:creationId xmlns:a16="http://schemas.microsoft.com/office/drawing/2014/main" id="{6230EA3A-3576-40BD-BD30-A2E6D5158B54}"/>
+              </a:ext>
+            </a:extLst>
+          </p:cNvPr>
+          <p:cNvGrpSpPr/>
+          <p:nvPr/>
+        </p:nvGrpSpPr>
+        <p:grpSpPr>
+          <a:xfrm>
+            <a:off x="4867562" y="856781"/>
+            <a:ext cx="643738" cy="607162"/>
+            <a:chOff x="5433896" y="1595059"/>
+            <a:chExt cx="643738" cy="607162"/>
+          </a:xfrm>
+        </p:grpSpPr>
+        <p:sp>
+          <p:nvSpPr>
+            <p:cNvPr id="45" name="Retângulo: Cantos Arredondados 44">
+              <a:extLst>
+                <a:ext uri="{FF2B5EF4-FFF2-40B4-BE49-F238E27FC236}">
+                  <a16:creationId xmlns:a16="http://schemas.microsoft.com/office/drawing/2014/main" id="{73A3BACE-46D2-4D6D-BCEE-7360BA86A125}"/>
+                </a:ext>
+              </a:extLst>
+            </p:cNvPr>
+            <p:cNvSpPr/>
+            <p:nvPr/>
+          </p:nvSpPr>
+          <p:spPr>
+            <a:xfrm>
+              <a:off x="5433896" y="1595059"/>
+              <a:ext cx="643738" cy="607162"/>
+            </a:xfrm>
+            <a:prstGeom prst="roundRect">
+              <a:avLst/>
+            </a:prstGeom>
+          </p:spPr>
+          <p:style>
+            <a:lnRef idx="2">
+              <a:schemeClr val="accent1">
+                <a:shade val="50000"/>
+              </a:schemeClr>
+            </a:lnRef>
+            <a:fillRef idx="1">
+              <a:schemeClr val="accent1"/>
+            </a:fillRef>
+            <a:effectRef idx="0">
+              <a:schemeClr val="accent1"/>
+            </a:effectRef>
+            <a:fontRef idx="minor">
+              <a:schemeClr val="lt1"/>
+            </a:fontRef>
+          </p:style>
+          <p:txBody>
+            <a:bodyPr rtlCol="0" anchor="ctr"/>
+            <a:lstStyle/>
+            <a:p>
+              <a:pPr algn="ctr"/>
+              <a:endParaRPr lang="en-US"/>
+            </a:p>
+          </p:txBody>
+        </p:sp>
+        <p:pic>
+          <p:nvPicPr>
+            <p:cNvPr id="47" name="Imagem 46">
+              <a:extLst>
+                <a:ext uri="{FF2B5EF4-FFF2-40B4-BE49-F238E27FC236}">
+                  <a16:creationId xmlns:a16="http://schemas.microsoft.com/office/drawing/2014/main" id="{3E5C4EC1-77B7-4255-B505-2FD267A608B6}"/>
+                </a:ext>
+              </a:extLst>
+            </p:cNvPr>
+            <p:cNvPicPr>
+              <a:picLocks noChangeAspect="1"/>
+            </p:cNvPicPr>
+            <p:nvPr/>
+          </p:nvPicPr>
+          <p:blipFill>
+            <a:blip r:embed="rId2"/>
+            <a:stretch>
+              <a:fillRect/>
+            </a:stretch>
+          </p:blipFill>
+          <p:spPr>
+            <a:xfrm>
+              <a:off x="5532468" y="1682841"/>
+              <a:ext cx="426016" cy="454283"/>
+            </a:xfrm>
+            <a:prstGeom prst="rect">
+              <a:avLst/>
+            </a:prstGeom>
+          </p:spPr>
+        </p:pic>
+      </p:grpSp>
+      <p:sp>
+        <p:nvSpPr>
+          <p:cNvPr id="54" name="Retângulo: Cantos Arredondados 53">
+            <a:extLst>
+              <a:ext uri="{FF2B5EF4-FFF2-40B4-BE49-F238E27FC236}">
+                <a16:creationId xmlns:a16="http://schemas.microsoft.com/office/drawing/2014/main" id="{B27EC887-3A6C-4CFF-96C1-AF1778F2172F}"/>
+              </a:ext>
+            </a:extLst>
+          </p:cNvPr>
+          <p:cNvSpPr/>
+          <p:nvPr/>
+        </p:nvSpPr>
+        <p:spPr>
+          <a:xfrm>
+            <a:off x="6431740" y="2179940"/>
+            <a:ext cx="988693" cy="369332"/>
+          </a:xfrm>
+          <a:prstGeom prst="roundRect">
+            <a:avLst/>
+          </a:prstGeom>
+        </p:spPr>
+        <p:style>
+          <a:lnRef idx="2">
+            <a:schemeClr val="accent1">
+              <a:shade val="50000"/>
+            </a:schemeClr>
+          </a:lnRef>
+          <a:fillRef idx="1">
+            <a:schemeClr val="accent1"/>
+          </a:fillRef>
+          <a:effectRef idx="0">
+            <a:schemeClr val="accent1"/>
+          </a:effectRef>
+          <a:fontRef idx="minor">
+            <a:schemeClr val="lt1"/>
+          </a:fontRef>
+        </p:style>
+        <p:txBody>
+          <a:bodyPr rtlCol="0" anchor="ctr"/>
+          <a:lstStyle/>
+          <a:p>
+            <a:pPr algn="ctr"/>
+            <a:r>
+              <a:rPr lang="en-US" dirty="0"/>
+              <a:t>Service</a:t>
+            </a:r>
+          </a:p>
+        </p:txBody>
+      </p:sp>
+      <p:cxnSp>
+        <p:nvCxnSpPr>
+          <p:cNvPr id="60" name="Conector de Seta Reta 59">
+            <a:extLst>
+              <a:ext uri="{FF2B5EF4-FFF2-40B4-BE49-F238E27FC236}">
+                <a16:creationId xmlns:a16="http://schemas.microsoft.com/office/drawing/2014/main" id="{7DE6259D-C1CD-49FD-8C8D-7EBE499B199D}"/>
+              </a:ext>
+            </a:extLst>
+          </p:cNvPr>
+          <p:cNvCxnSpPr>
+            <a:cxnSpLocks/>
+          </p:cNvCxnSpPr>
+          <p:nvPr/>
+        </p:nvCxnSpPr>
+        <p:spPr>
+          <a:xfrm>
+            <a:off x="7508995" y="2405881"/>
+            <a:ext cx="443332" cy="0"/>
+          </a:xfrm>
+          <a:prstGeom prst="straightConnector1">
+            <a:avLst/>
+          </a:prstGeom>
+          <a:ln>
+            <a:headEnd type="triangle"/>
+            <a:tailEnd type="triangle"/>
+          </a:ln>
+        </p:spPr>
+        <p:style>
+          <a:lnRef idx="2">
+            <a:schemeClr val="accent1"/>
+          </a:lnRef>
+          <a:fillRef idx="0">
+            <a:schemeClr val="accent1"/>
+          </a:fillRef>
+          <a:effectRef idx="1">
+            <a:schemeClr val="accent1"/>
+          </a:effectRef>
+          <a:fontRef idx="minor">
+            <a:schemeClr val="tx1"/>
+          </a:fontRef>
+        </p:style>
+      </p:cxnSp>
+      <p:cxnSp>
+        <p:nvCxnSpPr>
+          <p:cNvPr id="62" name="Conector de Seta Reta 61">
+            <a:extLst>
+              <a:ext uri="{FF2B5EF4-FFF2-40B4-BE49-F238E27FC236}">
+                <a16:creationId xmlns:a16="http://schemas.microsoft.com/office/drawing/2014/main" id="{242DBA31-0DBC-48C0-B783-0E7173C85F3E}"/>
+              </a:ext>
+            </a:extLst>
+          </p:cNvPr>
+          <p:cNvCxnSpPr>
+            <a:cxnSpLocks/>
+          </p:cNvCxnSpPr>
+          <p:nvPr/>
+        </p:nvCxnSpPr>
+        <p:spPr>
+          <a:xfrm flipV="1">
+            <a:off x="5620161" y="2585532"/>
+            <a:ext cx="612409" cy="990997"/>
+          </a:xfrm>
+          <a:prstGeom prst="straightConnector1">
+            <a:avLst/>
+          </a:prstGeom>
+          <a:ln>
+            <a:tailEnd type="triangle"/>
+          </a:ln>
+        </p:spPr>
+        <p:style>
+          <a:lnRef idx="1">
+            <a:schemeClr val="accent1"/>
+          </a:lnRef>
+          <a:fillRef idx="0">
+            <a:schemeClr val="accent1"/>
+          </a:fillRef>
+          <a:effectRef idx="0">
+            <a:schemeClr val="accent1"/>
+          </a:effectRef>
+          <a:fontRef idx="minor">
+            <a:schemeClr val="tx1"/>
+          </a:fontRef>
+        </p:style>
+      </p:cxnSp>
+      <p:cxnSp>
+        <p:nvCxnSpPr>
+          <p:cNvPr id="65" name="Conector de Seta Reta 64">
+            <a:extLst>
+              <a:ext uri="{FF2B5EF4-FFF2-40B4-BE49-F238E27FC236}">
+                <a16:creationId xmlns:a16="http://schemas.microsoft.com/office/drawing/2014/main" id="{AAB46164-4ED1-4C78-9944-17BD134F2CF8}"/>
+              </a:ext>
+            </a:extLst>
+          </p:cNvPr>
+          <p:cNvCxnSpPr>
+            <a:cxnSpLocks/>
+          </p:cNvCxnSpPr>
+          <p:nvPr/>
+        </p:nvCxnSpPr>
+        <p:spPr>
+          <a:xfrm>
+            <a:off x="5594350" y="1160362"/>
+            <a:ext cx="699269" cy="1075291"/>
+          </a:xfrm>
+          <a:prstGeom prst="straightConnector1">
+            <a:avLst/>
+          </a:prstGeom>
+          <a:ln>
+            <a:tailEnd type="triangle"/>
+          </a:ln>
+        </p:spPr>
+        <p:style>
+          <a:lnRef idx="1">
+            <a:schemeClr val="accent1"/>
+          </a:lnRef>
+          <a:fillRef idx="0">
+            <a:schemeClr val="accent1"/>
+          </a:fillRef>
+          <a:effectRef idx="0">
+            <a:schemeClr val="accent1"/>
+          </a:effectRef>
+          <a:fontRef idx="minor">
+            <a:schemeClr val="tx1"/>
+          </a:fontRef>
+        </p:style>
+      </p:cxnSp>
+      <p:cxnSp>
+        <p:nvCxnSpPr>
+          <p:cNvPr id="68" name="Conector de Seta Reta 67">
+            <a:extLst>
+              <a:ext uri="{FF2B5EF4-FFF2-40B4-BE49-F238E27FC236}">
+                <a16:creationId xmlns:a16="http://schemas.microsoft.com/office/drawing/2014/main" id="{6C3FC8AB-984A-4450-82B1-3426AAD8EE38}"/>
+              </a:ext>
+            </a:extLst>
+          </p:cNvPr>
+          <p:cNvCxnSpPr>
+            <a:cxnSpLocks/>
+          </p:cNvCxnSpPr>
+          <p:nvPr/>
+        </p:nvCxnSpPr>
+        <p:spPr>
+          <a:xfrm>
+            <a:off x="5659710" y="2399136"/>
+            <a:ext cx="633909" cy="5080"/>
+          </a:xfrm>
+          <a:prstGeom prst="straightConnector1">
+            <a:avLst/>
+          </a:prstGeom>
+          <a:ln>
+            <a:tailEnd type="triangle"/>
+          </a:ln>
+        </p:spPr>
+        <p:style>
+          <a:lnRef idx="1">
+            <a:schemeClr val="accent1"/>
+          </a:lnRef>
+          <a:fillRef idx="0">
+            <a:schemeClr val="accent1"/>
+          </a:fillRef>
+          <a:effectRef idx="0">
+            <a:schemeClr val="accent1"/>
+          </a:effectRef>
+          <a:fontRef idx="minor">
+            <a:schemeClr val="tx1"/>
+          </a:fontRef>
+        </p:style>
+      </p:cxnSp>
+      <p:grpSp>
+        <p:nvGrpSpPr>
+          <p:cNvPr id="51" name="Agrupar 50">
+            <a:extLst>
+              <a:ext uri="{FF2B5EF4-FFF2-40B4-BE49-F238E27FC236}">
+                <a16:creationId xmlns:a16="http://schemas.microsoft.com/office/drawing/2014/main" id="{68CD6BAD-AAC6-48B7-B7BA-886D3C3E0D84}"/>
+              </a:ext>
+            </a:extLst>
+          </p:cNvPr>
+          <p:cNvGrpSpPr/>
+          <p:nvPr/>
+        </p:nvGrpSpPr>
+        <p:grpSpPr>
+          <a:xfrm>
+            <a:off x="8065281" y="2100635"/>
+            <a:ext cx="643738" cy="607162"/>
+            <a:chOff x="5636616" y="3154225"/>
+            <a:chExt cx="643738" cy="607162"/>
+          </a:xfrm>
+        </p:grpSpPr>
+        <p:sp>
+          <p:nvSpPr>
+            <p:cNvPr id="48" name="Retângulo: Cantos Arredondados 47">
+              <a:extLst>
+                <a:ext uri="{FF2B5EF4-FFF2-40B4-BE49-F238E27FC236}">
+                  <a16:creationId xmlns:a16="http://schemas.microsoft.com/office/drawing/2014/main" id="{C877BF90-3048-46FD-9268-07B2B4DA8F7D}"/>
+                </a:ext>
+              </a:extLst>
+            </p:cNvPr>
+            <p:cNvSpPr/>
+            <p:nvPr/>
+          </p:nvSpPr>
+          <p:spPr>
+            <a:xfrm>
+              <a:off x="5636616" y="3154225"/>
+              <a:ext cx="643738" cy="607162"/>
+            </a:xfrm>
+            <a:prstGeom prst="roundRect">
+              <a:avLst/>
+            </a:prstGeom>
+          </p:spPr>
+          <p:style>
+            <a:lnRef idx="2">
+              <a:schemeClr val="accent1">
+                <a:shade val="50000"/>
+              </a:schemeClr>
+            </a:lnRef>
+            <a:fillRef idx="1">
+              <a:schemeClr val="accent1"/>
+            </a:fillRef>
+            <a:effectRef idx="0">
+              <a:schemeClr val="accent1"/>
+            </a:effectRef>
+            <a:fontRef idx="minor">
+              <a:schemeClr val="lt1"/>
+            </a:fontRef>
+          </p:style>
+          <p:txBody>
+            <a:bodyPr rtlCol="0" anchor="ctr"/>
+            <a:lstStyle/>
+            <a:p>
+              <a:pPr algn="ctr"/>
+              <a:endParaRPr lang="en-US"/>
+            </a:p>
+          </p:txBody>
+        </p:sp>
+        <p:pic>
+          <p:nvPicPr>
+            <p:cNvPr id="50" name="Imagem 49">
+              <a:extLst>
+                <a:ext uri="{FF2B5EF4-FFF2-40B4-BE49-F238E27FC236}">
+                  <a16:creationId xmlns:a16="http://schemas.microsoft.com/office/drawing/2014/main" id="{4C50A7EA-12EC-44C5-8D66-E018D66E1D59}"/>
+                </a:ext>
+              </a:extLst>
+            </p:cNvPr>
+            <p:cNvPicPr>
+              <a:picLocks noChangeAspect="1"/>
+            </p:cNvPicPr>
+            <p:nvPr/>
+          </p:nvPicPr>
+          <p:blipFill>
+            <a:blip r:embed="rId3"/>
+            <a:stretch>
+              <a:fillRect/>
+            </a:stretch>
+          </p:blipFill>
+          <p:spPr>
+            <a:xfrm flipH="1">
+              <a:off x="5740318" y="3222309"/>
+              <a:ext cx="436332" cy="470994"/>
+            </a:xfrm>
+            <a:prstGeom prst="rect">
+              <a:avLst/>
+            </a:prstGeom>
+          </p:spPr>
+        </p:pic>
+      </p:grpSp>
+      <p:sp>
+        <p:nvSpPr>
+          <p:cNvPr id="52" name="Retângulo: Cantos Arredondados 51">
+            <a:extLst>
+              <a:ext uri="{FF2B5EF4-FFF2-40B4-BE49-F238E27FC236}">
+                <a16:creationId xmlns:a16="http://schemas.microsoft.com/office/drawing/2014/main" id="{E133C36D-DC7A-4408-9E3D-6632371436DF}"/>
+              </a:ext>
+            </a:extLst>
+          </p:cNvPr>
+          <p:cNvSpPr/>
+          <p:nvPr/>
+        </p:nvSpPr>
+        <p:spPr>
+          <a:xfrm>
+            <a:off x="2978995" y="2240839"/>
+            <a:ext cx="988693" cy="369332"/>
+          </a:xfrm>
+          <a:prstGeom prst="roundRect">
+            <a:avLst/>
+          </a:prstGeom>
+        </p:spPr>
+        <p:style>
+          <a:lnRef idx="2">
+            <a:schemeClr val="accent1">
+              <a:shade val="50000"/>
+            </a:schemeClr>
+          </a:lnRef>
+          <a:fillRef idx="1">
+            <a:schemeClr val="accent1"/>
+          </a:fillRef>
+          <a:effectRef idx="0">
+            <a:schemeClr val="accent1"/>
+          </a:effectRef>
+          <a:fontRef idx="minor">
+            <a:schemeClr val="lt1"/>
+          </a:fontRef>
+        </p:style>
+        <p:txBody>
+          <a:bodyPr rtlCol="0" anchor="ctr"/>
+          <a:lstStyle/>
+          <a:p>
+            <a:pPr algn="ctr"/>
+            <a:r>
+              <a:rPr lang="en-US" dirty="0"/>
+              <a:t>Service</a:t>
+            </a:r>
+          </a:p>
+        </p:txBody>
+      </p:sp>
+      <p:cxnSp>
+        <p:nvCxnSpPr>
+          <p:cNvPr id="58" name="Conector de Seta Reta 57">
+            <a:extLst>
+              <a:ext uri="{FF2B5EF4-FFF2-40B4-BE49-F238E27FC236}">
+                <a16:creationId xmlns:a16="http://schemas.microsoft.com/office/drawing/2014/main" id="{B2AB9544-8045-4D8E-BDC6-345713279C4D}"/>
+              </a:ext>
+            </a:extLst>
+          </p:cNvPr>
+          <p:cNvCxnSpPr>
+            <a:cxnSpLocks/>
+          </p:cNvCxnSpPr>
+          <p:nvPr/>
+        </p:nvCxnSpPr>
+        <p:spPr>
+          <a:xfrm flipV="1">
+            <a:off x="4092399" y="1114197"/>
+            <a:ext cx="684916" cy="1156184"/>
+          </a:xfrm>
+          <a:prstGeom prst="straightConnector1">
+            <a:avLst/>
+          </a:prstGeom>
+          <a:ln>
+            <a:tailEnd type="triangle"/>
+          </a:ln>
+        </p:spPr>
+        <p:style>
+          <a:lnRef idx="1">
+            <a:schemeClr val="accent1"/>
+          </a:lnRef>
+          <a:fillRef idx="0">
+            <a:schemeClr val="accent1"/>
+          </a:fillRef>
+          <a:effectRef idx="0">
+            <a:schemeClr val="accent1"/>
+          </a:effectRef>
+          <a:fontRef idx="minor">
+            <a:schemeClr val="tx1"/>
+          </a:fontRef>
+        </p:style>
+      </p:cxnSp>
+      <p:cxnSp>
+        <p:nvCxnSpPr>
+          <p:cNvPr id="59" name="Conector de Seta Reta 58">
+            <a:extLst>
+              <a:ext uri="{FF2B5EF4-FFF2-40B4-BE49-F238E27FC236}">
+                <a16:creationId xmlns:a16="http://schemas.microsoft.com/office/drawing/2014/main" id="{A3083723-41A6-46C3-B708-5E4781993916}"/>
+              </a:ext>
+            </a:extLst>
+          </p:cNvPr>
+          <p:cNvCxnSpPr>
+            <a:cxnSpLocks/>
+          </p:cNvCxnSpPr>
+          <p:nvPr/>
+        </p:nvCxnSpPr>
+        <p:spPr>
+          <a:xfrm>
+            <a:off x="4092399" y="2434729"/>
+            <a:ext cx="728975" cy="1"/>
+          </a:xfrm>
+          <a:prstGeom prst="straightConnector1">
+            <a:avLst/>
+          </a:prstGeom>
+          <a:ln>
+            <a:tailEnd type="triangle"/>
+          </a:ln>
+        </p:spPr>
+        <p:style>
+          <a:lnRef idx="1">
+            <a:schemeClr val="accent1"/>
+          </a:lnRef>
+          <a:fillRef idx="0">
+            <a:schemeClr val="accent1"/>
+          </a:fillRef>
+          <a:effectRef idx="0">
+            <a:schemeClr val="accent1"/>
+          </a:effectRef>
+          <a:fontRef idx="minor">
+            <a:schemeClr val="tx1"/>
+          </a:fontRef>
+        </p:style>
+      </p:cxnSp>
+      <p:cxnSp>
+        <p:nvCxnSpPr>
+          <p:cNvPr id="61" name="Conector de Seta Reta 60">
+            <a:extLst>
+              <a:ext uri="{FF2B5EF4-FFF2-40B4-BE49-F238E27FC236}">
+                <a16:creationId xmlns:a16="http://schemas.microsoft.com/office/drawing/2014/main" id="{B4A68159-B77B-4B88-ACCC-EFC463B677E9}"/>
+              </a:ext>
+            </a:extLst>
+          </p:cNvPr>
+          <p:cNvCxnSpPr>
+            <a:cxnSpLocks/>
+          </p:cNvCxnSpPr>
+          <p:nvPr/>
+        </p:nvCxnSpPr>
+        <p:spPr>
+          <a:xfrm>
+            <a:off x="4092399" y="2585532"/>
+            <a:ext cx="712691" cy="1040318"/>
+          </a:xfrm>
+          <a:prstGeom prst="straightConnector1">
+            <a:avLst/>
+          </a:prstGeom>
+          <a:ln>
+            <a:tailEnd type="triangle"/>
+          </a:ln>
+        </p:spPr>
+        <p:style>
+          <a:lnRef idx="1">
+            <a:schemeClr val="accent1"/>
+          </a:lnRef>
+          <a:fillRef idx="0">
+            <a:schemeClr val="accent1"/>
+          </a:fillRef>
+          <a:effectRef idx="0">
+            <a:schemeClr val="accent1"/>
+          </a:effectRef>
+          <a:fontRef idx="minor">
+            <a:schemeClr val="tx1"/>
+          </a:fontRef>
+        </p:style>
+      </p:cxnSp>
+      <p:pic>
+        <p:nvPicPr>
+          <p:cNvPr id="56" name="Imagem 55">
+            <a:extLst>
+              <a:ext uri="{FF2B5EF4-FFF2-40B4-BE49-F238E27FC236}">
+                <a16:creationId xmlns:a16="http://schemas.microsoft.com/office/drawing/2014/main" id="{F39678ED-C86F-48F9-8F99-968F11601428}"/>
+              </a:ext>
+            </a:extLst>
+          </p:cNvPr>
+          <p:cNvPicPr>
+            <a:picLocks noChangeAspect="1"/>
+          </p:cNvPicPr>
+          <p:nvPr/>
+        </p:nvPicPr>
+        <p:blipFill>
+          <a:blip r:embed="rId4"/>
+          <a:stretch>
+            <a:fillRect/>
+          </a:stretch>
+        </p:blipFill>
+        <p:spPr>
+          <a:xfrm>
+            <a:off x="699290" y="1676941"/>
+            <a:ext cx="1428750" cy="1428750"/>
+          </a:xfrm>
+          <a:prstGeom prst="rect">
+            <a:avLst/>
+          </a:prstGeom>
+        </p:spPr>
+      </p:pic>
+      <p:cxnSp>
+        <p:nvCxnSpPr>
+          <p:cNvPr id="63" name="Conector de Seta Reta 62">
+            <a:extLst>
+              <a:ext uri="{FF2B5EF4-FFF2-40B4-BE49-F238E27FC236}">
+                <a16:creationId xmlns:a16="http://schemas.microsoft.com/office/drawing/2014/main" id="{6FBBB724-B085-48D5-ACC2-1398C3F91FDD}"/>
+              </a:ext>
+            </a:extLst>
+          </p:cNvPr>
+          <p:cNvCxnSpPr>
+            <a:cxnSpLocks/>
+          </p:cNvCxnSpPr>
+          <p:nvPr/>
+        </p:nvCxnSpPr>
+        <p:spPr>
+          <a:xfrm>
+            <a:off x="2108106" y="2415558"/>
+            <a:ext cx="728975" cy="1"/>
+          </a:xfrm>
+          <a:prstGeom prst="straightConnector1">
+            <a:avLst/>
+          </a:prstGeom>
+          <a:ln>
+            <a:tailEnd type="triangle"/>
+          </a:ln>
+        </p:spPr>
+        <p:style>
+          <a:lnRef idx="1">
+            <a:schemeClr val="accent1"/>
+          </a:lnRef>
+          <a:fillRef idx="0">
+            <a:schemeClr val="accent1"/>
+          </a:fillRef>
+          <a:effectRef idx="0">
+            <a:schemeClr val="accent1"/>
+          </a:effectRef>
+          <a:fontRef idx="minor">
+            <a:schemeClr val="tx1"/>
+          </a:fontRef>
+        </p:style>
+      </p:cxnSp>
+      <p:sp>
+        <p:nvSpPr>
+          <p:cNvPr id="17" name="CaixaDeTexto 16">
+            <a:extLst>
+              <a:ext uri="{FF2B5EF4-FFF2-40B4-BE49-F238E27FC236}">
+                <a16:creationId xmlns:a16="http://schemas.microsoft.com/office/drawing/2014/main" id="{54995218-7DF6-400A-8D2C-3D94677D534C}"/>
+              </a:ext>
+            </a:extLst>
+          </p:cNvPr>
+          <p:cNvSpPr txBox="1"/>
+          <p:nvPr/>
+        </p:nvSpPr>
+        <p:spPr>
+          <a:xfrm>
+            <a:off x="4588457" y="1722745"/>
+            <a:ext cx="1194751" cy="369332"/>
+          </a:xfrm>
+          <a:prstGeom prst="rect">
+            <a:avLst/>
+          </a:prstGeom>
+          <a:noFill/>
+        </p:spPr>
+        <p:txBody>
+          <a:bodyPr wrap="none" rtlCol="0">
+            <a:spAutoFit/>
+          </a:bodyPr>
+          <a:lstStyle/>
+          <a:p>
+            <a:r>
+              <a:rPr lang="en-US" dirty="0" err="1"/>
+              <a:t>Wordpress</a:t>
+            </a:r>
+            <a:endParaRPr lang="pt-BR" dirty="0"/>
+          </a:p>
+        </p:txBody>
+      </p:sp>
+      <p:sp>
+        <p:nvSpPr>
+          <p:cNvPr id="64" name="CaixaDeTexto 63">
+            <a:extLst>
+              <a:ext uri="{FF2B5EF4-FFF2-40B4-BE49-F238E27FC236}">
+                <a16:creationId xmlns:a16="http://schemas.microsoft.com/office/drawing/2014/main" id="{BECE07AF-2615-43F0-B7A2-96234E00EBA4}"/>
+              </a:ext>
+            </a:extLst>
+          </p:cNvPr>
+          <p:cNvSpPr txBox="1"/>
+          <p:nvPr/>
+        </p:nvSpPr>
+        <p:spPr>
+          <a:xfrm>
+            <a:off x="7885248" y="1731303"/>
+            <a:ext cx="1003801" cy="369332"/>
+          </a:xfrm>
+          <a:prstGeom prst="rect">
+            <a:avLst/>
+          </a:prstGeom>
+          <a:noFill/>
+        </p:spPr>
+        <p:txBody>
+          <a:bodyPr wrap="none" rtlCol="0">
+            <a:spAutoFit/>
+          </a:bodyPr>
+          <a:lstStyle/>
+          <a:p>
+            <a:r>
+              <a:rPr lang="en-US" dirty="0"/>
+              <a:t>MariaDB</a:t>
+            </a:r>
+            <a:endParaRPr lang="pt-BR" dirty="0"/>
+          </a:p>
+        </p:txBody>
+      </p:sp>
+    </p:spTree>
+    <p:extLst>
+      <p:ext uri="{BB962C8B-B14F-4D97-AF65-F5344CB8AC3E}">
+        <p14:creationId xmlns:p14="http://schemas.microsoft.com/office/powerpoint/2010/main" val="1075783318"/>
+      </p:ext>
+    </p:extLst>
+  </p:cSld>
+  <p:clrMapOvr>
+    <a:masterClrMapping/>
+  </p:clrMapOvr>
+  <mc:AlternateContent xmlns:mc="http://schemas.openxmlformats.org/markup-compatibility/2006">
+    <mc:Choice xmlns:p159="http://schemas.microsoft.com/office/powerpoint/2015/09/main" Requires="p159">
+      <p:transition xmlns:p14="http://schemas.microsoft.com/office/powerpoint/2010/main" spd="slow" p14:dur="2000">
+        <p159:morph option="byObject"/>
+      </p:transition>
+    </mc:Choice>
+    <mc:Fallback>
+      <p:transition spd="slow">
+        <p:fade/>
+      </p:transition>
+    </mc:Fallback>
+  </mc:AlternateContent>
 </p:sld>
 </file>
 
@@ -10291,13 +12719,13 @@
   <p:clrMapOvr>
     <a:masterClrMapping/>
   </p:clrMapOvr>
-  <mc:AlternateContent xmlns:mc="http://schemas.openxmlformats.org/markup-compatibility/2006">
-    <mc:Choice xmlns:p159="http://schemas.microsoft.com/office/powerpoint/2015/09/main" Requires="p159">
+  <mc:AlternateContent xmlns:mc="http://schemas.openxmlformats.org/markup-compatibility/2006" xmlns:p159="http://schemas.microsoft.com/office/powerpoint/2015/09/main">
+    <mc:Choice Requires="p159">
       <p:transition xmlns:p14="http://schemas.microsoft.com/office/powerpoint/2010/main" spd="slow" p14:dur="2000">
         <p159:morph option="byObject"/>
       </p:transition>
     </mc:Choice>
-    <mc:Fallback>
+    <mc:Fallback xmlns="">
       <p:transition spd="slow">
         <p:fade/>
       </p:transition>
@@ -10972,13 +13400,13 @@
   <p:clrMapOvr>
     <a:masterClrMapping/>
   </p:clrMapOvr>
-  <mc:AlternateContent xmlns:mc="http://schemas.openxmlformats.org/markup-compatibility/2006">
-    <mc:Choice xmlns:p159="http://schemas.microsoft.com/office/powerpoint/2015/09/main" Requires="p159">
+  <mc:AlternateContent xmlns:mc="http://schemas.openxmlformats.org/markup-compatibility/2006" xmlns:p159="http://schemas.microsoft.com/office/powerpoint/2015/09/main">
+    <mc:Choice Requires="p159">
       <p:transition xmlns:p14="http://schemas.microsoft.com/office/powerpoint/2010/main" spd="slow" p14:dur="2000">
         <p159:morph option="byObject"/>
       </p:transition>
     </mc:Choice>
-    <mc:Fallback>
+    <mc:Fallback xmlns="">
       <p:transition spd="slow">
         <p:fade/>
       </p:transition>
@@ -11307,13 +13735,13 @@
   <p:clrMapOvr>
     <a:masterClrMapping/>
   </p:clrMapOvr>
-  <mc:AlternateContent xmlns:mc="http://schemas.openxmlformats.org/markup-compatibility/2006">
-    <mc:Choice xmlns:p159="http://schemas.microsoft.com/office/powerpoint/2015/09/main" Requires="p159">
+  <mc:AlternateContent xmlns:mc="http://schemas.openxmlformats.org/markup-compatibility/2006" xmlns:p159="http://schemas.microsoft.com/office/powerpoint/2015/09/main">
+    <mc:Choice Requires="p159">
       <p:transition xmlns:p14="http://schemas.microsoft.com/office/powerpoint/2010/main" spd="slow" p14:dur="2000">
         <p159:morph option="byObject"/>
       </p:transition>
     </mc:Choice>
-    <mc:Fallback>
+    <mc:Fallback xmlns="">
       <p:transition spd="slow">
         <p:fade/>
       </p:transition>
@@ -11815,13 +14243,13 @@
   <p:clrMapOvr>
     <a:masterClrMapping/>
   </p:clrMapOvr>
-  <mc:AlternateContent xmlns:mc="http://schemas.openxmlformats.org/markup-compatibility/2006">
-    <mc:Choice xmlns:p159="http://schemas.microsoft.com/office/powerpoint/2015/09/main" Requires="p159">
+  <mc:AlternateContent xmlns:mc="http://schemas.openxmlformats.org/markup-compatibility/2006" xmlns:p159="http://schemas.microsoft.com/office/powerpoint/2015/09/main">
+    <mc:Choice Requires="p159">
       <p:transition xmlns:p14="http://schemas.microsoft.com/office/powerpoint/2010/main" spd="slow" p14:dur="2000">
         <p159:morph option="byObject"/>
       </p:transition>
     </mc:Choice>
-    <mc:Fallback>
+    <mc:Fallback xmlns="">
       <p:transition spd="slow">
         <p:fade/>
       </p:transition>
@@ -12385,13 +14813,13 @@
   <p:clrMapOvr>
     <a:masterClrMapping/>
   </p:clrMapOvr>
-  <mc:AlternateContent xmlns:mc="http://schemas.openxmlformats.org/markup-compatibility/2006">
-    <mc:Choice xmlns:p159="http://schemas.microsoft.com/office/powerpoint/2015/09/main" Requires="p159">
+  <mc:AlternateContent xmlns:mc="http://schemas.openxmlformats.org/markup-compatibility/2006" xmlns:p159="http://schemas.microsoft.com/office/powerpoint/2015/09/main">
+    <mc:Choice Requires="p159">
       <p:transition xmlns:p14="http://schemas.microsoft.com/office/powerpoint/2010/main" spd="slow" p14:dur="2000">
         <p159:morph option="byObject"/>
       </p:transition>
     </mc:Choice>
-    <mc:Fallback>
+    <mc:Fallback xmlns="">
       <p:transition spd="slow">
         <p:fade/>
       </p:transition>
@@ -13159,13 +15587,13 @@
   <p:clrMapOvr>
     <a:masterClrMapping/>
   </p:clrMapOvr>
-  <mc:AlternateContent xmlns:mc="http://schemas.openxmlformats.org/markup-compatibility/2006">
-    <mc:Choice xmlns:p159="http://schemas.microsoft.com/office/powerpoint/2015/09/main" Requires="p159">
+  <mc:AlternateContent xmlns:mc="http://schemas.openxmlformats.org/markup-compatibility/2006" xmlns:p159="http://schemas.microsoft.com/office/powerpoint/2015/09/main">
+    <mc:Choice Requires="p159">
       <p:transition xmlns:p14="http://schemas.microsoft.com/office/powerpoint/2010/main" spd="slow" p14:dur="2000">
         <p159:morph option="byObject"/>
       </p:transition>
     </mc:Choice>
-    <mc:Fallback>
+    <mc:Fallback xmlns="">
       <p:transition spd="slow">
         <p:fade/>
       </p:transition>
@@ -13729,13 +16157,13 @@
   <p:clrMapOvr>
     <a:masterClrMapping/>
   </p:clrMapOvr>
-  <mc:AlternateContent xmlns:mc="http://schemas.openxmlformats.org/markup-compatibility/2006">
-    <mc:Choice xmlns:p159="http://schemas.microsoft.com/office/powerpoint/2015/09/main" Requires="p159">
+  <mc:AlternateContent xmlns:mc="http://schemas.openxmlformats.org/markup-compatibility/2006" xmlns:p159="http://schemas.microsoft.com/office/powerpoint/2015/09/main">
+    <mc:Choice Requires="p159">
       <p:transition xmlns:p14="http://schemas.microsoft.com/office/powerpoint/2010/main" spd="slow" p14:dur="2000">
         <p159:morph option="byObject"/>
       </p:transition>
     </mc:Choice>
-    <mc:Fallback>
+    <mc:Fallback xmlns="">
       <p:transition spd="slow">
         <p:fade/>
       </p:transition>
